--- a/help/resource/falling_particle_geometry.pptx
+++ b/help/resource/falling_particle_geometry.pptx
@@ -234,7 +234,7 @@
           <a:p>
             <a:fld id="{CB2BFBF5-9F8A-40B1-88F4-AFAE0BF032A6}" type="datetimeFigureOut">
               <a:rPr lang="en-US" smtClean="0"/>
-              <a:t>4/24/2023</a:t>
+              <a:t>5/23/2023</a:t>
             </a:fld>
             <a:endParaRPr lang="en-US"/>
           </a:p>
@@ -411,7 +411,7 @@
           </a:lstStyle>
           <a:p>
             <a:fld id="{9D67FED6-1CE0-9E49-8E28-4BC1AFD39CD7}" type="datetimeFigureOut">
-              <a:t>4/24/2023</a:t>
+              <a:t>5/23/2023</a:t>
             </a:fld>
             <a:endParaRPr lang="en-US"/>
           </a:p>
@@ -38423,10 +38423,10 @@
       </p:sp>
       <p:grpSp>
         <p:nvGrpSpPr>
-          <p:cNvPr id="6" name="Group 5">
-            <a:extLst>
-              <a:ext uri="{FF2B5EF4-FFF2-40B4-BE49-F238E27FC236}">
-                <a16:creationId xmlns:a16="http://schemas.microsoft.com/office/drawing/2014/main" id="{60919BE3-137D-6D18-D1F9-BE0AE9A2A59B}"/>
+          <p:cNvPr id="95" name="Group 94">
+            <a:extLst>
+              <a:ext uri="{FF2B5EF4-FFF2-40B4-BE49-F238E27FC236}">
+                <a16:creationId xmlns:a16="http://schemas.microsoft.com/office/drawing/2014/main" id="{D7DA4176-41B6-3AE3-CF75-0395FD1097D5}"/>
               </a:ext>
             </a:extLst>
           </p:cNvPr>
@@ -38443,10 +38443,10 @@
         </p:grpSpPr>
         <p:grpSp>
           <p:nvGrpSpPr>
-            <p:cNvPr id="4" name="Group 3">
+            <p:cNvPr id="92" name="Group 91">
               <a:extLst>
                 <a:ext uri="{FF2B5EF4-FFF2-40B4-BE49-F238E27FC236}">
-                  <a16:creationId xmlns:a16="http://schemas.microsoft.com/office/drawing/2014/main" id="{9894D0C9-6056-454C-9952-3F07983D09AC}"/>
+                  <a16:creationId xmlns:a16="http://schemas.microsoft.com/office/drawing/2014/main" id="{B9272532-E509-0E7B-CBAF-A1D11DCAE84B}"/>
                 </a:ext>
               </a:extLst>
             </p:cNvPr>
@@ -38455,10 +38455,10 @@
           </p:nvGrpSpPr>
           <p:grpSpPr>
             <a:xfrm>
-              <a:off x="449944" y="1841256"/>
-              <a:ext cx="3266438" cy="3219700"/>
-              <a:chOff x="449944" y="1841256"/>
-              <a:chExt cx="3266438" cy="3219700"/>
+              <a:off x="449944" y="1821047"/>
+              <a:ext cx="3988614" cy="3239909"/>
+              <a:chOff x="449944" y="1821047"/>
+              <a:chExt cx="3988614" cy="3239909"/>
             </a:xfrm>
           </p:grpSpPr>
           <p:cxnSp>
@@ -38559,7 +38559,7 @@
             <p:spPr>
               <a:xfrm>
                 <a:off x="2038166" y="2169815"/>
-                <a:ext cx="1210291" cy="0"/>
+                <a:ext cx="1210291" cy="401935"/>
               </a:xfrm>
               <a:prstGeom prst="line">
                 <a:avLst/>
@@ -38644,7 +38644,7 @@
             </p:nvSpPr>
             <p:spPr>
               <a:xfrm>
-                <a:off x="2773367" y="1841256"/>
+                <a:off x="3495543" y="2530719"/>
                 <a:ext cx="943015" cy="307777"/>
               </a:xfrm>
               <a:prstGeom prst="rect">
@@ -38732,8 +38732,8 @@
             </p:nvSpPr>
             <p:spPr>
               <a:xfrm>
-                <a:off x="2038166" y="4378296"/>
-                <a:ext cx="735202" cy="430887"/>
+                <a:off x="1226047" y="4402187"/>
+                <a:ext cx="1617305" cy="261610"/>
               </a:xfrm>
               <a:prstGeom prst="rect">
                 <a:avLst/>
@@ -38749,7 +38749,7 @@
                 <a:pPr algn="ctr"/>
                 <a:r>
                   <a:rPr lang="en-US" sz="1100" dirty="0"/>
-                  <a:t>Angle of SNOUT</a:t>
+                  <a:t>Bottom Vertical Angle</a:t>
                 </a:r>
               </a:p>
             </p:txBody>
@@ -38769,9 +38769,9 @@
               <p:nvPr/>
             </p:nvCxnSpPr>
             <p:spPr>
-              <a:xfrm>
-                <a:off x="2843352" y="4636184"/>
-                <a:ext cx="365760" cy="0"/>
+              <a:xfrm flipV="1">
+                <a:off x="2459831" y="4636184"/>
+                <a:ext cx="749281" cy="0"/>
               </a:xfrm>
               <a:prstGeom prst="line">
                 <a:avLst/>
@@ -38952,8 +38952,8 @@
             </p:nvCxnSpPr>
             <p:spPr>
               <a:xfrm rot="5400000">
-                <a:off x="1683186" y="4636851"/>
-                <a:ext cx="731520" cy="0"/>
+                <a:off x="1911786" y="4839330"/>
+                <a:ext cx="274320" cy="0"/>
               </a:xfrm>
               <a:prstGeom prst="line">
                 <a:avLst/>
@@ -39065,17 +39065,18 @@
               </p:cNvPr>
               <p:cNvCxnSpPr>
                 <a:cxnSpLocks/>
-                <a:endCxn id="22" idx="1"/>
               </p:cNvCxnSpPr>
               <p:nvPr/>
             </p:nvCxnSpPr>
             <p:spPr>
-              <a:xfrm rot="5400000" flipH="1" flipV="1">
-                <a:off x="2638755" y="2023925"/>
-                <a:ext cx="163392" cy="105832"/>
+              <a:xfrm>
+                <a:off x="3244874" y="2571750"/>
+                <a:ext cx="267732" cy="112858"/>
               </a:xfrm>
-              <a:prstGeom prst="bentConnector2">
-                <a:avLst/>
+              <a:prstGeom prst="bentConnector3">
+                <a:avLst>
+                  <a:gd name="adj1" fmla="val 50000"/>
+                </a:avLst>
               </a:prstGeom>
               <a:ln w="9525">
                 <a:solidFill>
@@ -39362,13 +39363,215 @@
               </a:fontRef>
             </p:style>
           </p:cxnSp>
+          <p:sp>
+            <p:nvSpPr>
+              <p:cNvPr id="65" name="TextBox 64">
+                <a:extLst>
+                  <a:ext uri="{FF2B5EF4-FFF2-40B4-BE49-F238E27FC236}">
+                    <a16:creationId xmlns:a16="http://schemas.microsoft.com/office/drawing/2014/main" id="{5E1E79C6-767F-7B87-8AE8-B8522E74291E}"/>
+                  </a:ext>
+                </a:extLst>
+              </p:cNvPr>
+              <p:cNvSpPr txBox="1"/>
+              <p:nvPr/>
+            </p:nvSpPr>
+            <p:spPr>
+              <a:xfrm>
+                <a:off x="2377117" y="2127209"/>
+                <a:ext cx="1617305" cy="261610"/>
+              </a:xfrm>
+              <a:prstGeom prst="rect">
+                <a:avLst/>
+              </a:prstGeom>
+              <a:noFill/>
+            </p:spPr>
+            <p:txBody>
+              <a:bodyPr wrap="square" rtlCol="0">
+                <a:spAutoFit/>
+              </a:bodyPr>
+              <a:lstStyle/>
+              <a:p>
+                <a:pPr algn="ctr"/>
+                <a:r>
+                  <a:rPr lang="en-US" sz="1100" dirty="0"/>
+                  <a:t>Top Vertical Angle</a:t>
+                </a:r>
+              </a:p>
+            </p:txBody>
+          </p:sp>
+          <p:grpSp>
+            <p:nvGrpSpPr>
+              <p:cNvPr id="68" name="Group 67">
+                <a:extLst>
+                  <a:ext uri="{FF2B5EF4-FFF2-40B4-BE49-F238E27FC236}">
+                    <a16:creationId xmlns:a16="http://schemas.microsoft.com/office/drawing/2014/main" id="{2A9E0BEE-9B9C-DA5C-CEA7-E8E0DE175D51}"/>
+                  </a:ext>
+                </a:extLst>
+              </p:cNvPr>
+              <p:cNvGrpSpPr/>
+              <p:nvPr/>
+            </p:nvGrpSpPr>
+            <p:grpSpPr>
+              <a:xfrm flipH="1" flipV="1">
+                <a:off x="1813709" y="1821047"/>
+                <a:ext cx="1052775" cy="655959"/>
+                <a:chOff x="2915155" y="1839607"/>
+                <a:chExt cx="1052775" cy="655959"/>
+              </a:xfrm>
+            </p:grpSpPr>
+            <p:sp>
+              <p:nvSpPr>
+                <p:cNvPr id="31" name="Arc 30">
+                  <a:extLst>
+                    <a:ext uri="{FF2B5EF4-FFF2-40B4-BE49-F238E27FC236}">
+                      <a16:creationId xmlns:a16="http://schemas.microsoft.com/office/drawing/2014/main" id="{DB8F0ED7-A374-43D5-67A4-5287E26FA0E3}"/>
+                    </a:ext>
+                  </a:extLst>
+                </p:cNvPr>
+                <p:cNvSpPr/>
+                <p:nvPr/>
+              </p:nvSpPr>
+              <p:spPr>
+                <a:xfrm>
+                  <a:off x="3362082" y="1839607"/>
+                  <a:ext cx="605848" cy="655959"/>
+                </a:xfrm>
+                <a:prstGeom prst="arc">
+                  <a:avLst>
+                    <a:gd name="adj1" fmla="val 10925241"/>
+                    <a:gd name="adj2" fmla="val 12274328"/>
+                  </a:avLst>
+                </a:prstGeom>
+                <a:ln w="9525">
+                  <a:solidFill>
+                    <a:srgbClr val="000000"/>
+                  </a:solidFill>
+                </a:ln>
+                <a:effectLst/>
+              </p:spPr>
+              <p:style>
+                <a:lnRef idx="2">
+                  <a:schemeClr val="accent1"/>
+                </a:lnRef>
+                <a:fillRef idx="0">
+                  <a:schemeClr val="accent1"/>
+                </a:fillRef>
+                <a:effectRef idx="1">
+                  <a:schemeClr val="accent1"/>
+                </a:effectRef>
+                <a:fontRef idx="minor">
+                  <a:schemeClr val="tx1"/>
+                </a:fontRef>
+              </p:style>
+              <p:txBody>
+                <a:bodyPr rtlCol="0" anchor="ctr"/>
+                <a:lstStyle/>
+                <a:p>
+                  <a:pPr algn="ctr"/>
+                  <a:endParaRPr lang="en-US"/>
+                </a:p>
+              </p:txBody>
+            </p:sp>
+            <p:cxnSp>
+              <p:nvCxnSpPr>
+                <p:cNvPr id="66" name="Straight Connector 65">
+                  <a:extLst>
+                    <a:ext uri="{FF2B5EF4-FFF2-40B4-BE49-F238E27FC236}">
+                      <a16:creationId xmlns:a16="http://schemas.microsoft.com/office/drawing/2014/main" id="{AD8F3BA2-DDCC-4350-8975-5AA2A1E34B13}"/>
+                    </a:ext>
+                  </a:extLst>
+                </p:cNvPr>
+                <p:cNvCxnSpPr>
+                  <a:cxnSpLocks/>
+                </p:cNvCxnSpPr>
+                <p:nvPr/>
+              </p:nvCxnSpPr>
+              <p:spPr>
+                <a:xfrm flipV="1">
+                  <a:off x="2915155" y="2160898"/>
+                  <a:ext cx="749281" cy="0"/>
+                </a:xfrm>
+                <a:prstGeom prst="line">
+                  <a:avLst/>
+                </a:prstGeom>
+                <a:ln w="9525">
+                  <a:solidFill>
+                    <a:srgbClr val="000000"/>
+                  </a:solidFill>
+                </a:ln>
+                <a:effectLst/>
+              </p:spPr>
+              <p:style>
+                <a:lnRef idx="2">
+                  <a:schemeClr val="accent1"/>
+                </a:lnRef>
+                <a:fillRef idx="0">
+                  <a:schemeClr val="accent1"/>
+                </a:fillRef>
+                <a:effectRef idx="1">
+                  <a:schemeClr val="accent1"/>
+                </a:effectRef>
+                <a:fontRef idx="minor">
+                  <a:schemeClr val="tx1"/>
+                </a:fontRef>
+              </p:style>
+            </p:cxnSp>
+            <p:cxnSp>
+              <p:nvCxnSpPr>
+                <p:cNvPr id="67" name="Connector: Elbow 66">
+                  <a:extLst>
+                    <a:ext uri="{FF2B5EF4-FFF2-40B4-BE49-F238E27FC236}">
+                      <a16:creationId xmlns:a16="http://schemas.microsoft.com/office/drawing/2014/main" id="{202BA75F-E760-C6FC-B9CB-EEA022E62E1A}"/>
+                    </a:ext>
+                  </a:extLst>
+                </p:cNvPr>
+                <p:cNvCxnSpPr>
+                  <a:cxnSpLocks/>
+                </p:cNvCxnSpPr>
+                <p:nvPr/>
+              </p:nvCxnSpPr>
+              <p:spPr>
+                <a:xfrm rot="10800000">
+                  <a:off x="3184238" y="2064171"/>
+                  <a:ext cx="180979" cy="30957"/>
+                </a:xfrm>
+                <a:prstGeom prst="bentConnector3">
+                  <a:avLst>
+                    <a:gd name="adj1" fmla="val 50000"/>
+                  </a:avLst>
+                </a:prstGeom>
+                <a:ln w="9525">
+                  <a:solidFill>
+                    <a:srgbClr val="000000"/>
+                  </a:solidFill>
+                  <a:headEnd type="oval" w="sm" len="sm"/>
+                  <a:tailEnd w="sm" len="sm"/>
+                </a:ln>
+                <a:effectLst/>
+              </p:spPr>
+              <p:style>
+                <a:lnRef idx="2">
+                  <a:schemeClr val="accent1"/>
+                </a:lnRef>
+                <a:fillRef idx="0">
+                  <a:schemeClr val="accent1"/>
+                </a:fillRef>
+                <a:effectRef idx="1">
+                  <a:schemeClr val="accent1"/>
+                </a:effectRef>
+                <a:fontRef idx="minor">
+                  <a:schemeClr val="tx1"/>
+                </a:fontRef>
+              </p:style>
+            </p:cxnSp>
+          </p:grpSp>
         </p:grpSp>
         <p:grpSp>
           <p:nvGrpSpPr>
-            <p:cNvPr id="5" name="Group 4">
+            <p:cNvPr id="94" name="Group 93">
               <a:extLst>
                 <a:ext uri="{FF2B5EF4-FFF2-40B4-BE49-F238E27FC236}">
-                  <a16:creationId xmlns:a16="http://schemas.microsoft.com/office/drawing/2014/main" id="{F77B0D40-774E-E7C4-A99C-93294A8FED6B}"/>
+                  <a16:creationId xmlns:a16="http://schemas.microsoft.com/office/drawing/2014/main" id="{263B76E5-4ADE-1CF9-6BF9-2AD882F49A03}"/>
                 </a:ext>
               </a:extLst>
             </p:cNvPr>
@@ -39613,8 +39816,8 @@
             </p:nvSpPr>
             <p:spPr>
               <a:xfrm>
-                <a:off x="5563771" y="3574341"/>
-                <a:ext cx="1454150" cy="461665"/>
+                <a:off x="5806535" y="3596051"/>
+                <a:ext cx="944388" cy="461665"/>
               </a:xfrm>
               <a:prstGeom prst="rect">
                 <a:avLst/>
@@ -39632,7 +39835,7 @@
                 <a:pPr algn="ctr"/>
                 <a:r>
                   <a:rPr lang="en-US" sz="1200" dirty="0"/>
-                  <a:t>Horizontal Angle of SNOUT</a:t>
+                  <a:t>Horizontal Angle</a:t>
                 </a:r>
               </a:p>
             </p:txBody>
@@ -39945,6 +40148,89 @@
               </a:p>
             </p:txBody>
           </p:sp>
+          <p:sp>
+            <p:nvSpPr>
+              <p:cNvPr id="69" name="TextBox 68">
+                <a:extLst>
+                  <a:ext uri="{FF2B5EF4-FFF2-40B4-BE49-F238E27FC236}">
+                    <a16:creationId xmlns:a16="http://schemas.microsoft.com/office/drawing/2014/main" id="{3494C7E1-CCD6-3C2B-29C9-E783666B153F}"/>
+                  </a:ext>
+                </a:extLst>
+              </p:cNvPr>
+              <p:cNvSpPr txBox="1"/>
+              <p:nvPr/>
+            </p:nvSpPr>
+            <p:spPr>
+              <a:xfrm>
+                <a:off x="4352219" y="2833216"/>
+                <a:ext cx="943015" cy="307777"/>
+              </a:xfrm>
+              <a:prstGeom prst="rect">
+                <a:avLst/>
+              </a:prstGeom>
+              <a:noFill/>
+            </p:spPr>
+            <p:txBody>
+              <a:bodyPr wrap="square" rtlCol="0">
+                <a:spAutoFit/>
+              </a:bodyPr>
+              <a:lstStyle/>
+              <a:p>
+                <a:pPr algn="ctr"/>
+                <a:r>
+                  <a:rPr lang="en-US" sz="1400" dirty="0"/>
+                  <a:t>SNOUT</a:t>
+                </a:r>
+              </a:p>
+            </p:txBody>
+          </p:sp>
+          <p:cxnSp>
+            <p:nvCxnSpPr>
+              <p:cNvPr id="74" name="Connector: Elbow 73">
+                <a:extLst>
+                  <a:ext uri="{FF2B5EF4-FFF2-40B4-BE49-F238E27FC236}">
+                    <a16:creationId xmlns:a16="http://schemas.microsoft.com/office/drawing/2014/main" id="{2D390893-7330-151D-AD66-C94B80BFA49E}"/>
+                  </a:ext>
+                </a:extLst>
+              </p:cNvPr>
+              <p:cNvCxnSpPr>
+                <a:cxnSpLocks/>
+                <a:endCxn id="69" idx="2"/>
+              </p:cNvCxnSpPr>
+              <p:nvPr/>
+            </p:nvCxnSpPr>
+            <p:spPr>
+              <a:xfrm rot="10800000">
+                <a:off x="4823728" y="3140993"/>
+                <a:ext cx="247993" cy="246088"/>
+              </a:xfrm>
+              <a:prstGeom prst="bentConnector2">
+                <a:avLst/>
+              </a:prstGeom>
+              <a:ln w="9525">
+                <a:solidFill>
+                  <a:srgbClr val="000000"/>
+                </a:solidFill>
+                <a:headEnd type="triangle" w="sm" len="sm"/>
+                <a:tailEnd w="sm" len="sm"/>
+              </a:ln>
+              <a:effectLst/>
+            </p:spPr>
+            <p:style>
+              <a:lnRef idx="2">
+                <a:schemeClr val="accent1"/>
+              </a:lnRef>
+              <a:fillRef idx="0">
+                <a:schemeClr val="accent1"/>
+              </a:fillRef>
+              <a:effectRef idx="1">
+                <a:schemeClr val="accent1"/>
+              </a:effectRef>
+              <a:fontRef idx="minor">
+                <a:schemeClr val="tx1"/>
+              </a:fontRef>
+            </p:style>
+          </p:cxnSp>
         </p:grpSp>
       </p:grpSp>
     </p:spTree>

--- a/help/resource/falling_particle_geometry.pptx
+++ b/help/resource/falling_particle_geometry.pptx
@@ -234,7 +234,7 @@
           <a:p>
             <a:fld id="{CB2BFBF5-9F8A-40B1-88F4-AFAE0BF032A6}" type="datetimeFigureOut">
               <a:rPr lang="en-US" smtClean="0"/>
-              <a:t>5/23/2023</a:t>
+              <a:t>7/21/2023</a:t>
             </a:fld>
             <a:endParaRPr lang="en-US"/>
           </a:p>
@@ -411,7 +411,7 @@
           </a:lstStyle>
           <a:p>
             <a:fld id="{9D67FED6-1CE0-9E49-8E28-4BC1AFD39CD7}" type="datetimeFigureOut">
-              <a:t>5/23/2023</a:t>
+              <a:t>7/21/2023</a:t>
             </a:fld>
             <a:endParaRPr lang="en-US"/>
           </a:p>
@@ -35826,7 +35826,7 @@
             </p:nvSpPr>
             <p:spPr>
               <a:xfrm>
-                <a:off x="7650582" y="3950791"/>
+                <a:off x="7860168" y="3961943"/>
                 <a:ext cx="996030" cy="461665"/>
               </a:xfrm>
               <a:prstGeom prst="rect">
@@ -38308,6 +38308,186 @@
           </p:sp>
         </p:grpSp>
       </p:grpSp>
+      <p:cxnSp>
+        <p:nvCxnSpPr>
+          <p:cNvPr id="6" name="Straight Connector 5">
+            <a:extLst>
+              <a:ext uri="{FF2B5EF4-FFF2-40B4-BE49-F238E27FC236}">
+                <a16:creationId xmlns:a16="http://schemas.microsoft.com/office/drawing/2014/main" id="{CAFC0720-9FD7-37EF-13C7-D4E38CB649C1}"/>
+              </a:ext>
+            </a:extLst>
+          </p:cNvPr>
+          <p:cNvCxnSpPr>
+            <a:cxnSpLocks/>
+          </p:cNvCxnSpPr>
+          <p:nvPr/>
+        </p:nvCxnSpPr>
+        <p:spPr>
+          <a:xfrm flipH="1">
+            <a:off x="5607952" y="4199361"/>
+            <a:ext cx="182880" cy="0"/>
+          </a:xfrm>
+          <a:prstGeom prst="line">
+            <a:avLst/>
+          </a:prstGeom>
+          <a:ln w="19050">
+            <a:solidFill>
+              <a:srgbClr val="000000"/>
+            </a:solidFill>
+            <a:prstDash val="solid"/>
+          </a:ln>
+          <a:effectLst/>
+        </p:spPr>
+        <p:style>
+          <a:lnRef idx="2">
+            <a:schemeClr val="accent1"/>
+          </a:lnRef>
+          <a:fillRef idx="0">
+            <a:schemeClr val="accent1"/>
+          </a:fillRef>
+          <a:effectRef idx="1">
+            <a:schemeClr val="accent1"/>
+          </a:effectRef>
+          <a:fontRef idx="minor">
+            <a:schemeClr val="tx1"/>
+          </a:fontRef>
+        </p:style>
+      </p:cxnSp>
+      <p:cxnSp>
+        <p:nvCxnSpPr>
+          <p:cNvPr id="8" name="Straight Connector 7">
+            <a:extLst>
+              <a:ext uri="{FF2B5EF4-FFF2-40B4-BE49-F238E27FC236}">
+                <a16:creationId xmlns:a16="http://schemas.microsoft.com/office/drawing/2014/main" id="{977A9B70-A53F-423B-6FDC-FD06B4D771AE}"/>
+              </a:ext>
+            </a:extLst>
+          </p:cNvPr>
+          <p:cNvCxnSpPr>
+            <a:cxnSpLocks/>
+          </p:cNvCxnSpPr>
+          <p:nvPr/>
+        </p:nvCxnSpPr>
+        <p:spPr>
+          <a:xfrm flipV="1">
+            <a:off x="5609983" y="3378799"/>
+            <a:ext cx="0" cy="822960"/>
+          </a:xfrm>
+          <a:prstGeom prst="line">
+            <a:avLst/>
+          </a:prstGeom>
+          <a:ln w="19050">
+            <a:solidFill>
+              <a:srgbClr val="000000"/>
+            </a:solidFill>
+            <a:prstDash val="solid"/>
+          </a:ln>
+          <a:effectLst/>
+        </p:spPr>
+        <p:style>
+          <a:lnRef idx="2">
+            <a:schemeClr val="accent1"/>
+          </a:lnRef>
+          <a:fillRef idx="0">
+            <a:schemeClr val="accent1"/>
+          </a:fillRef>
+          <a:effectRef idx="1">
+            <a:schemeClr val="accent1"/>
+          </a:effectRef>
+          <a:fontRef idx="minor">
+            <a:schemeClr val="tx1"/>
+          </a:fontRef>
+        </p:style>
+      </p:cxnSp>
+      <p:cxnSp>
+        <p:nvCxnSpPr>
+          <p:cNvPr id="10" name="Straight Connector 9">
+            <a:extLst>
+              <a:ext uri="{FF2B5EF4-FFF2-40B4-BE49-F238E27FC236}">
+                <a16:creationId xmlns:a16="http://schemas.microsoft.com/office/drawing/2014/main" id="{AAF9C43D-B158-F757-8C1D-979E5ABA0081}"/>
+              </a:ext>
+            </a:extLst>
+          </p:cNvPr>
+          <p:cNvCxnSpPr>
+            <a:cxnSpLocks/>
+          </p:cNvCxnSpPr>
+          <p:nvPr/>
+        </p:nvCxnSpPr>
+        <p:spPr>
+          <a:xfrm flipH="1" flipV="1">
+            <a:off x="7789968" y="4201642"/>
+            <a:ext cx="182880" cy="1238"/>
+          </a:xfrm>
+          <a:prstGeom prst="line">
+            <a:avLst/>
+          </a:prstGeom>
+          <a:ln w="19050">
+            <a:solidFill>
+              <a:srgbClr val="000000"/>
+            </a:solidFill>
+            <a:prstDash val="solid"/>
+          </a:ln>
+          <a:effectLst/>
+        </p:spPr>
+        <p:style>
+          <a:lnRef idx="2">
+            <a:schemeClr val="accent1"/>
+          </a:lnRef>
+          <a:fillRef idx="0">
+            <a:schemeClr val="accent1"/>
+          </a:fillRef>
+          <a:effectRef idx="1">
+            <a:schemeClr val="accent1"/>
+          </a:effectRef>
+          <a:fontRef idx="minor">
+            <a:schemeClr val="tx1"/>
+          </a:fontRef>
+        </p:style>
+      </p:cxnSp>
+      <p:cxnSp>
+        <p:nvCxnSpPr>
+          <p:cNvPr id="12" name="Straight Connector 11">
+            <a:extLst>
+              <a:ext uri="{FF2B5EF4-FFF2-40B4-BE49-F238E27FC236}">
+                <a16:creationId xmlns:a16="http://schemas.microsoft.com/office/drawing/2014/main" id="{F235C731-CCF3-7F58-F025-522DC0139F6C}"/>
+              </a:ext>
+            </a:extLst>
+          </p:cNvPr>
+          <p:cNvCxnSpPr>
+            <a:cxnSpLocks/>
+          </p:cNvCxnSpPr>
+          <p:nvPr/>
+        </p:nvCxnSpPr>
+        <p:spPr>
+          <a:xfrm flipV="1">
+            <a:off x="7969864" y="3381442"/>
+            <a:ext cx="0" cy="822960"/>
+          </a:xfrm>
+          <a:prstGeom prst="line">
+            <a:avLst/>
+          </a:prstGeom>
+          <a:ln w="19050">
+            <a:solidFill>
+              <a:srgbClr val="000000"/>
+            </a:solidFill>
+            <a:prstDash val="solid"/>
+          </a:ln>
+          <a:effectLst/>
+        </p:spPr>
+        <p:style>
+          <a:lnRef idx="2">
+            <a:schemeClr val="accent1"/>
+          </a:lnRef>
+          <a:fillRef idx="0">
+            <a:schemeClr val="accent1"/>
+          </a:fillRef>
+          <a:effectRef idx="1">
+            <a:schemeClr val="accent1"/>
+          </a:effectRef>
+          <a:fontRef idx="minor">
+            <a:schemeClr val="tx1"/>
+          </a:fontRef>
+        </p:style>
+      </p:cxnSp>
     </p:spTree>
     <p:extLst>
       <p:ext uri="{BB962C8B-B14F-4D97-AF65-F5344CB8AC3E}">

--- a/help/resource/falling_particle_geometry.pptx
+++ b/help/resource/falling_particle_geometry.pptx
@@ -5,15 +5,16 @@
     <p:sldMasterId id="2147483648" r:id="rId1"/>
   </p:sldMasterIdLst>
   <p:notesMasterIdLst>
-    <p:notesMasterId r:id="rId5"/>
+    <p:notesMasterId r:id="rId6"/>
   </p:notesMasterIdLst>
   <p:handoutMasterIdLst>
-    <p:handoutMasterId r:id="rId6"/>
+    <p:handoutMasterId r:id="rId7"/>
   </p:handoutMasterIdLst>
   <p:sldIdLst>
     <p:sldId id="263" r:id="rId2"/>
     <p:sldId id="260" r:id="rId3"/>
-    <p:sldId id="262" r:id="rId4"/>
+    <p:sldId id="264" r:id="rId4"/>
+    <p:sldId id="262" r:id="rId5"/>
   </p:sldIdLst>
   <p:sldSz cx="9144000" cy="5143500" type="screen16x9"/>
   <p:notesSz cx="6858000" cy="9144000"/>
@@ -234,7 +235,7 @@
           <a:p>
             <a:fld id="{CB2BFBF5-9F8A-40B1-88F4-AFAE0BF032A6}" type="datetimeFigureOut">
               <a:rPr lang="en-US" smtClean="0"/>
-              <a:t>7/21/2023</a:t>
+              <a:t>12/12/2023</a:t>
             </a:fld>
             <a:endParaRPr lang="en-US"/>
           </a:p>
@@ -411,7 +412,7 @@
           </a:lstStyle>
           <a:p>
             <a:fld id="{9D67FED6-1CE0-9E49-8E28-4BC1AFD39CD7}" type="datetimeFigureOut">
-              <a:t>7/21/2023</a:t>
+              <a:t>12/12/2023</a:t>
             </a:fld>
             <a:endParaRPr lang="en-US"/>
           </a:p>
@@ -40448,6 +40449,1872 @@
           <p:cNvPr id="2" name="Title 1">
             <a:extLst>
               <a:ext uri="{FF2B5EF4-FFF2-40B4-BE49-F238E27FC236}">
+                <a16:creationId xmlns:a16="http://schemas.microsoft.com/office/drawing/2014/main" id="{17E831C5-13D4-9F91-9A69-F5137E7479A0}"/>
+              </a:ext>
+            </a:extLst>
+          </p:cNvPr>
+          <p:cNvSpPr>
+            <a:spLocks noGrp="1"/>
+          </p:cNvSpPr>
+          <p:nvPr>
+            <p:ph type="title"/>
+          </p:nvPr>
+        </p:nvSpPr>
+        <p:spPr/>
+        <p:txBody>
+          <a:bodyPr/>
+          <a:lstStyle/>
+          <a:p>
+            <a:r>
+              <a:rPr lang="en-US" dirty="0"/>
+              <a:t>With and Without SNOUT</a:t>
+            </a:r>
+          </a:p>
+        </p:txBody>
+      </p:sp>
+      <p:grpSp>
+        <p:nvGrpSpPr>
+          <p:cNvPr id="8" name="Group 7">
+            <a:extLst>
+              <a:ext uri="{FF2B5EF4-FFF2-40B4-BE49-F238E27FC236}">
+                <a16:creationId xmlns:a16="http://schemas.microsoft.com/office/drawing/2014/main" id="{59B52C5C-87A4-9568-FB47-9666AF9DD0F0}"/>
+              </a:ext>
+            </a:extLst>
+          </p:cNvPr>
+          <p:cNvGrpSpPr/>
+          <p:nvPr/>
+        </p:nvGrpSpPr>
+        <p:grpSpPr>
+          <a:xfrm>
+            <a:off x="449944" y="1184815"/>
+            <a:ext cx="7036846" cy="3876141"/>
+            <a:chOff x="449944" y="1184815"/>
+            <a:chExt cx="7036846" cy="3876141"/>
+          </a:xfrm>
+        </p:grpSpPr>
+        <p:grpSp>
+          <p:nvGrpSpPr>
+            <p:cNvPr id="92" name="Group 91">
+              <a:extLst>
+                <a:ext uri="{FF2B5EF4-FFF2-40B4-BE49-F238E27FC236}">
+                  <a16:creationId xmlns:a16="http://schemas.microsoft.com/office/drawing/2014/main" id="{B9272532-E509-0E7B-CBAF-A1D11DCAE84B}"/>
+                </a:ext>
+              </a:extLst>
+            </p:cNvPr>
+            <p:cNvGrpSpPr/>
+            <p:nvPr/>
+          </p:nvGrpSpPr>
+          <p:grpSpPr>
+            <a:xfrm>
+              <a:off x="449944" y="1821047"/>
+              <a:ext cx="3972038" cy="3239909"/>
+              <a:chOff x="449944" y="1821047"/>
+              <a:chExt cx="3972038" cy="3239909"/>
+            </a:xfrm>
+          </p:grpSpPr>
+          <p:cxnSp>
+            <p:nvCxnSpPr>
+              <p:cNvPr id="12" name="Straight Connector 11">
+                <a:extLst>
+                  <a:ext uri="{FF2B5EF4-FFF2-40B4-BE49-F238E27FC236}">
+                    <a16:creationId xmlns:a16="http://schemas.microsoft.com/office/drawing/2014/main" id="{84D6FDB0-F79A-77B5-0A99-0FAA2BDBC243}"/>
+                  </a:ext>
+                </a:extLst>
+              </p:cNvPr>
+              <p:cNvCxnSpPr>
+                <a:cxnSpLocks/>
+              </p:cNvCxnSpPr>
+              <p:nvPr/>
+            </p:nvCxnSpPr>
+            <p:spPr>
+              <a:xfrm>
+                <a:off x="2038166" y="2169815"/>
+                <a:ext cx="0" cy="2011680"/>
+              </a:xfrm>
+              <a:prstGeom prst="line">
+                <a:avLst/>
+              </a:prstGeom>
+              <a:ln w="19050">
+                <a:solidFill>
+                  <a:srgbClr val="000000"/>
+                </a:solidFill>
+                <a:prstDash val="dash"/>
+              </a:ln>
+              <a:effectLst/>
+            </p:spPr>
+            <p:style>
+              <a:lnRef idx="2">
+                <a:schemeClr val="accent1"/>
+              </a:lnRef>
+              <a:fillRef idx="0">
+                <a:schemeClr val="accent1"/>
+              </a:fillRef>
+              <a:effectRef idx="1">
+                <a:schemeClr val="accent1"/>
+              </a:effectRef>
+              <a:fontRef idx="minor">
+                <a:schemeClr val="tx1"/>
+              </a:fontRef>
+            </p:style>
+          </p:cxnSp>
+          <p:sp>
+            <p:nvSpPr>
+              <p:cNvPr id="17" name="TextBox 16">
+                <a:extLst>
+                  <a:ext uri="{FF2B5EF4-FFF2-40B4-BE49-F238E27FC236}">
+                    <a16:creationId xmlns:a16="http://schemas.microsoft.com/office/drawing/2014/main" id="{A00BC20F-6D71-6D8C-9E46-D9AB4E1EC6CC}"/>
+                  </a:ext>
+                </a:extLst>
+              </p:cNvPr>
+              <p:cNvSpPr txBox="1"/>
+              <p:nvPr/>
+            </p:nvSpPr>
+            <p:spPr>
+              <a:xfrm>
+                <a:off x="775836" y="2863852"/>
+                <a:ext cx="1413706" cy="523220"/>
+              </a:xfrm>
+              <a:prstGeom prst="rect">
+                <a:avLst/>
+              </a:prstGeom>
+              <a:noFill/>
+            </p:spPr>
+            <p:txBody>
+              <a:bodyPr wrap="square" rtlCol="0">
+                <a:spAutoFit/>
+              </a:bodyPr>
+              <a:lstStyle/>
+              <a:p>
+                <a:pPr algn="ctr"/>
+                <a:r>
+                  <a:rPr lang="en-US" sz="1400" dirty="0"/>
+                  <a:t>Aperture Window</a:t>
+                </a:r>
+              </a:p>
+            </p:txBody>
+          </p:sp>
+          <p:cxnSp>
+            <p:nvCxnSpPr>
+              <p:cNvPr id="18" name="Straight Connector 17">
+                <a:extLst>
+                  <a:ext uri="{FF2B5EF4-FFF2-40B4-BE49-F238E27FC236}">
+                    <a16:creationId xmlns:a16="http://schemas.microsoft.com/office/drawing/2014/main" id="{A0788319-DA2D-3280-35A1-25711CA16893}"/>
+                  </a:ext>
+                </a:extLst>
+              </p:cNvPr>
+              <p:cNvCxnSpPr>
+                <a:cxnSpLocks/>
+              </p:cNvCxnSpPr>
+              <p:nvPr/>
+            </p:nvCxnSpPr>
+            <p:spPr>
+              <a:xfrm>
+                <a:off x="2038166" y="2169815"/>
+                <a:ext cx="1210291" cy="401935"/>
+              </a:xfrm>
+              <a:prstGeom prst="line">
+                <a:avLst/>
+              </a:prstGeom>
+              <a:ln w="28575">
+                <a:solidFill>
+                  <a:srgbClr val="000000"/>
+                </a:solidFill>
+              </a:ln>
+              <a:effectLst/>
+            </p:spPr>
+            <p:style>
+              <a:lnRef idx="2">
+                <a:schemeClr val="accent1"/>
+              </a:lnRef>
+              <a:fillRef idx="0">
+                <a:schemeClr val="accent1"/>
+              </a:fillRef>
+              <a:effectRef idx="1">
+                <a:schemeClr val="accent1"/>
+              </a:effectRef>
+              <a:fontRef idx="minor">
+                <a:schemeClr val="tx1"/>
+              </a:fontRef>
+            </p:style>
+          </p:cxnSp>
+          <p:cxnSp>
+            <p:nvCxnSpPr>
+              <p:cNvPr id="21" name="Straight Connector 20">
+                <a:extLst>
+                  <a:ext uri="{FF2B5EF4-FFF2-40B4-BE49-F238E27FC236}">
+                    <a16:creationId xmlns:a16="http://schemas.microsoft.com/office/drawing/2014/main" id="{D78F8F43-3F45-21BF-A6FA-F63BBA351A5A}"/>
+                  </a:ext>
+                </a:extLst>
+              </p:cNvPr>
+              <p:cNvCxnSpPr>
+                <a:cxnSpLocks/>
+              </p:cNvCxnSpPr>
+              <p:nvPr/>
+            </p:nvCxnSpPr>
+            <p:spPr>
+              <a:xfrm>
+                <a:off x="2038166" y="4210638"/>
+                <a:ext cx="1258740" cy="414997"/>
+              </a:xfrm>
+              <a:prstGeom prst="line">
+                <a:avLst/>
+              </a:prstGeom>
+              <a:ln w="28575">
+                <a:solidFill>
+                  <a:srgbClr val="000000"/>
+                </a:solidFill>
+              </a:ln>
+              <a:effectLst/>
+            </p:spPr>
+            <p:style>
+              <a:lnRef idx="2">
+                <a:schemeClr val="accent1"/>
+              </a:lnRef>
+              <a:fillRef idx="0">
+                <a:schemeClr val="accent1"/>
+              </a:fillRef>
+              <a:effectRef idx="1">
+                <a:schemeClr val="accent1"/>
+              </a:effectRef>
+              <a:fontRef idx="minor">
+                <a:schemeClr val="tx1"/>
+              </a:fontRef>
+            </p:style>
+          </p:cxnSp>
+          <p:sp>
+            <p:nvSpPr>
+              <p:cNvPr id="22" name="TextBox 21">
+                <a:extLst>
+                  <a:ext uri="{FF2B5EF4-FFF2-40B4-BE49-F238E27FC236}">
+                    <a16:creationId xmlns:a16="http://schemas.microsoft.com/office/drawing/2014/main" id="{D6E81104-B379-5F93-9603-6ABC737AE877}"/>
+                  </a:ext>
+                </a:extLst>
+              </p:cNvPr>
+              <p:cNvSpPr txBox="1"/>
+              <p:nvPr/>
+            </p:nvSpPr>
+            <p:spPr>
+              <a:xfrm>
+                <a:off x="3648453" y="2707229"/>
+                <a:ext cx="773529" cy="307777"/>
+              </a:xfrm>
+              <a:prstGeom prst="rect">
+                <a:avLst/>
+              </a:prstGeom>
+              <a:noFill/>
+            </p:spPr>
+            <p:txBody>
+              <a:bodyPr wrap="square" rtlCol="0">
+                <a:spAutoFit/>
+              </a:bodyPr>
+              <a:lstStyle/>
+              <a:p>
+                <a:pPr algn="ctr"/>
+                <a:r>
+                  <a:rPr lang="en-US" sz="1400" dirty="0"/>
+                  <a:t>SNOUT</a:t>
+                </a:r>
+              </a:p>
+            </p:txBody>
+          </p:sp>
+          <p:sp>
+            <p:nvSpPr>
+              <p:cNvPr id="26" name="Arc 25">
+                <a:extLst>
+                  <a:ext uri="{FF2B5EF4-FFF2-40B4-BE49-F238E27FC236}">
+                    <a16:creationId xmlns:a16="http://schemas.microsoft.com/office/drawing/2014/main" id="{2EA7DDB2-DB91-46B2-347A-879D5B475269}"/>
+                  </a:ext>
+                </a:extLst>
+              </p:cNvPr>
+              <p:cNvSpPr/>
+              <p:nvPr/>
+            </p:nvSpPr>
+            <p:spPr>
+              <a:xfrm>
+                <a:off x="2906758" y="4314893"/>
+                <a:ext cx="605848" cy="655959"/>
+              </a:xfrm>
+              <a:prstGeom prst="arc">
+                <a:avLst>
+                  <a:gd name="adj1" fmla="val 10925241"/>
+                  <a:gd name="adj2" fmla="val 12274328"/>
+                </a:avLst>
+              </a:prstGeom>
+              <a:ln w="9525">
+                <a:solidFill>
+                  <a:srgbClr val="000000"/>
+                </a:solidFill>
+              </a:ln>
+              <a:effectLst/>
+            </p:spPr>
+            <p:style>
+              <a:lnRef idx="2">
+                <a:schemeClr val="accent1"/>
+              </a:lnRef>
+              <a:fillRef idx="0">
+                <a:schemeClr val="accent1"/>
+              </a:fillRef>
+              <a:effectRef idx="1">
+                <a:schemeClr val="accent1"/>
+              </a:effectRef>
+              <a:fontRef idx="minor">
+                <a:schemeClr val="tx1"/>
+              </a:fontRef>
+            </p:style>
+            <p:txBody>
+              <a:bodyPr rtlCol="0" anchor="ctr"/>
+              <a:lstStyle/>
+              <a:p>
+                <a:pPr algn="ctr"/>
+                <a:endParaRPr lang="en-US"/>
+              </a:p>
+            </p:txBody>
+          </p:sp>
+          <p:sp>
+            <p:nvSpPr>
+              <p:cNvPr id="27" name="TextBox 26">
+                <a:extLst>
+                  <a:ext uri="{FF2B5EF4-FFF2-40B4-BE49-F238E27FC236}">
+                    <a16:creationId xmlns:a16="http://schemas.microsoft.com/office/drawing/2014/main" id="{E7A89CE7-0A3F-BF57-17D3-03755C8DF091}"/>
+                  </a:ext>
+                </a:extLst>
+              </p:cNvPr>
+              <p:cNvSpPr txBox="1"/>
+              <p:nvPr/>
+            </p:nvSpPr>
+            <p:spPr>
+              <a:xfrm>
+                <a:off x="1226047" y="4402187"/>
+                <a:ext cx="1617305" cy="261610"/>
+              </a:xfrm>
+              <a:prstGeom prst="rect">
+                <a:avLst/>
+              </a:prstGeom>
+              <a:noFill/>
+            </p:spPr>
+            <p:txBody>
+              <a:bodyPr wrap="square" rtlCol="0">
+                <a:spAutoFit/>
+              </a:bodyPr>
+              <a:lstStyle/>
+              <a:p>
+                <a:pPr algn="ctr"/>
+                <a:r>
+                  <a:rPr lang="en-US" sz="1100" dirty="0"/>
+                  <a:t>Bottom Vertical Angle</a:t>
+                </a:r>
+              </a:p>
+            </p:txBody>
+          </p:sp>
+          <p:cxnSp>
+            <p:nvCxnSpPr>
+              <p:cNvPr id="28" name="Straight Connector 27">
+                <a:extLst>
+                  <a:ext uri="{FF2B5EF4-FFF2-40B4-BE49-F238E27FC236}">
+                    <a16:creationId xmlns:a16="http://schemas.microsoft.com/office/drawing/2014/main" id="{DA96008C-3909-EBCC-B0A6-5EC69E4C33E3}"/>
+                  </a:ext>
+                </a:extLst>
+              </p:cNvPr>
+              <p:cNvCxnSpPr>
+                <a:cxnSpLocks/>
+              </p:cNvCxnSpPr>
+              <p:nvPr/>
+            </p:nvCxnSpPr>
+            <p:spPr>
+              <a:xfrm flipV="1">
+                <a:off x="2459831" y="4636184"/>
+                <a:ext cx="749281" cy="0"/>
+              </a:xfrm>
+              <a:prstGeom prst="line">
+                <a:avLst/>
+              </a:prstGeom>
+              <a:ln w="9525">
+                <a:solidFill>
+                  <a:srgbClr val="000000"/>
+                </a:solidFill>
+              </a:ln>
+              <a:effectLst/>
+            </p:spPr>
+            <p:style>
+              <a:lnRef idx="2">
+                <a:schemeClr val="accent1"/>
+              </a:lnRef>
+              <a:fillRef idx="0">
+                <a:schemeClr val="accent1"/>
+              </a:fillRef>
+              <a:effectRef idx="1">
+                <a:schemeClr val="accent1"/>
+              </a:effectRef>
+              <a:fontRef idx="minor">
+                <a:schemeClr val="tx1"/>
+              </a:fontRef>
+            </p:style>
+          </p:cxnSp>
+          <p:cxnSp>
+            <p:nvCxnSpPr>
+              <p:cNvPr id="29" name="Connector: Elbow 28">
+                <a:extLst>
+                  <a:ext uri="{FF2B5EF4-FFF2-40B4-BE49-F238E27FC236}">
+                    <a16:creationId xmlns:a16="http://schemas.microsoft.com/office/drawing/2014/main" id="{65561E71-12FC-954C-3172-12EA9F6D0C6C}"/>
+                  </a:ext>
+                </a:extLst>
+              </p:cNvPr>
+              <p:cNvCxnSpPr>
+                <a:cxnSpLocks/>
+              </p:cNvCxnSpPr>
+              <p:nvPr/>
+            </p:nvCxnSpPr>
+            <p:spPr>
+              <a:xfrm rot="10800000">
+                <a:off x="2728914" y="4539457"/>
+                <a:ext cx="180979" cy="30957"/>
+              </a:xfrm>
+              <a:prstGeom prst="bentConnector3">
+                <a:avLst>
+                  <a:gd name="adj1" fmla="val 50000"/>
+                </a:avLst>
+              </a:prstGeom>
+              <a:ln w="9525">
+                <a:solidFill>
+                  <a:srgbClr val="000000"/>
+                </a:solidFill>
+                <a:headEnd type="oval" w="sm" len="sm"/>
+                <a:tailEnd w="sm" len="sm"/>
+              </a:ln>
+              <a:effectLst/>
+            </p:spPr>
+            <p:style>
+              <a:lnRef idx="2">
+                <a:schemeClr val="accent1"/>
+              </a:lnRef>
+              <a:fillRef idx="0">
+                <a:schemeClr val="accent1"/>
+              </a:fillRef>
+              <a:effectRef idx="1">
+                <a:schemeClr val="accent1"/>
+              </a:effectRef>
+              <a:fontRef idx="minor">
+                <a:schemeClr val="tx1"/>
+              </a:fontRef>
+            </p:style>
+          </p:cxnSp>
+          <p:cxnSp>
+            <p:nvCxnSpPr>
+              <p:cNvPr id="9" name="Straight Connector 8">
+                <a:extLst>
+                  <a:ext uri="{FF2B5EF4-FFF2-40B4-BE49-F238E27FC236}">
+                    <a16:creationId xmlns:a16="http://schemas.microsoft.com/office/drawing/2014/main" id="{E5AE97EE-1A62-C02A-7026-FACFFF943426}"/>
+                  </a:ext>
+                </a:extLst>
+              </p:cNvPr>
+              <p:cNvCxnSpPr>
+                <a:cxnSpLocks/>
+              </p:cNvCxnSpPr>
+              <p:nvPr/>
+            </p:nvCxnSpPr>
+            <p:spPr>
+              <a:xfrm rot="5400000">
+                <a:off x="3150220" y="4839961"/>
+                <a:ext cx="274320" cy="0"/>
+              </a:xfrm>
+              <a:prstGeom prst="line">
+                <a:avLst/>
+              </a:prstGeom>
+              <a:ln w="9525">
+                <a:solidFill>
+                  <a:srgbClr val="000000"/>
+                </a:solidFill>
+              </a:ln>
+              <a:effectLst/>
+            </p:spPr>
+            <p:style>
+              <a:lnRef idx="2">
+                <a:schemeClr val="accent1"/>
+              </a:lnRef>
+              <a:fillRef idx="0">
+                <a:schemeClr val="accent1"/>
+              </a:fillRef>
+              <a:effectRef idx="1">
+                <a:schemeClr val="accent1"/>
+              </a:effectRef>
+              <a:fontRef idx="minor">
+                <a:schemeClr val="tx1"/>
+              </a:fontRef>
+            </p:style>
+          </p:cxnSp>
+          <p:cxnSp>
+            <p:nvCxnSpPr>
+              <p:cNvPr id="10" name="Straight Connector 9">
+                <a:extLst>
+                  <a:ext uri="{FF2B5EF4-FFF2-40B4-BE49-F238E27FC236}">
+                    <a16:creationId xmlns:a16="http://schemas.microsoft.com/office/drawing/2014/main" id="{8DFE6185-26EA-BFC5-64F8-C7E6F68F48D9}"/>
+                  </a:ext>
+                </a:extLst>
+              </p:cNvPr>
+              <p:cNvCxnSpPr>
+                <a:cxnSpLocks/>
+              </p:cNvCxnSpPr>
+              <p:nvPr/>
+            </p:nvCxnSpPr>
+            <p:spPr>
+              <a:xfrm>
+                <a:off x="2048946" y="4913702"/>
+                <a:ext cx="1238434" cy="0"/>
+              </a:xfrm>
+              <a:prstGeom prst="line">
+                <a:avLst/>
+              </a:prstGeom>
+              <a:ln w="9525">
+                <a:solidFill>
+                  <a:srgbClr val="000000"/>
+                </a:solidFill>
+                <a:headEnd type="triangle"/>
+                <a:tailEnd type="triangle"/>
+              </a:ln>
+              <a:effectLst/>
+            </p:spPr>
+            <p:style>
+              <a:lnRef idx="2">
+                <a:schemeClr val="accent1"/>
+              </a:lnRef>
+              <a:fillRef idx="0">
+                <a:schemeClr val="accent1"/>
+              </a:fillRef>
+              <a:effectRef idx="1">
+                <a:schemeClr val="accent1"/>
+              </a:effectRef>
+              <a:fontRef idx="minor">
+                <a:schemeClr val="tx1"/>
+              </a:fontRef>
+            </p:style>
+          </p:cxnSp>
+          <p:cxnSp>
+            <p:nvCxnSpPr>
+              <p:cNvPr id="13" name="Straight Connector 12">
+                <a:extLst>
+                  <a:ext uri="{FF2B5EF4-FFF2-40B4-BE49-F238E27FC236}">
+                    <a16:creationId xmlns:a16="http://schemas.microsoft.com/office/drawing/2014/main" id="{D849843A-64DA-259E-79D3-B93C1D7D195C}"/>
+                  </a:ext>
+                </a:extLst>
+              </p:cNvPr>
+              <p:cNvCxnSpPr>
+                <a:cxnSpLocks/>
+              </p:cNvCxnSpPr>
+              <p:nvPr/>
+            </p:nvCxnSpPr>
+            <p:spPr>
+              <a:xfrm rot="5400000">
+                <a:off x="1911786" y="4839330"/>
+                <a:ext cx="274320" cy="0"/>
+              </a:xfrm>
+              <a:prstGeom prst="line">
+                <a:avLst/>
+              </a:prstGeom>
+              <a:ln w="9525">
+                <a:solidFill>
+                  <a:srgbClr val="000000"/>
+                </a:solidFill>
+              </a:ln>
+              <a:effectLst/>
+            </p:spPr>
+            <p:style>
+              <a:lnRef idx="2">
+                <a:schemeClr val="accent1"/>
+              </a:lnRef>
+              <a:fillRef idx="0">
+                <a:schemeClr val="accent1"/>
+              </a:fillRef>
+              <a:effectRef idx="1">
+                <a:schemeClr val="accent1"/>
+              </a:effectRef>
+              <a:fontRef idx="minor">
+                <a:schemeClr val="tx1"/>
+              </a:fontRef>
+            </p:style>
+          </p:cxnSp>
+          <p:sp>
+            <p:nvSpPr>
+              <p:cNvPr id="15" name="TextBox 14">
+                <a:extLst>
+                  <a:ext uri="{FF2B5EF4-FFF2-40B4-BE49-F238E27FC236}">
+                    <a16:creationId xmlns:a16="http://schemas.microsoft.com/office/drawing/2014/main" id="{0ABE71D4-99B9-5F81-293D-28B4F641EF9D}"/>
+                  </a:ext>
+                </a:extLst>
+              </p:cNvPr>
+              <p:cNvSpPr txBox="1"/>
+              <p:nvPr/>
+            </p:nvSpPr>
+            <p:spPr>
+              <a:xfrm>
+                <a:off x="2272938" y="4783957"/>
+                <a:ext cx="789216" cy="276999"/>
+              </a:xfrm>
+              <a:prstGeom prst="rect">
+                <a:avLst/>
+              </a:prstGeom>
+              <a:solidFill>
+                <a:schemeClr val="bg1"/>
+              </a:solidFill>
+            </p:spPr>
+            <p:txBody>
+              <a:bodyPr wrap="square" rtlCol="0">
+                <a:spAutoFit/>
+              </a:bodyPr>
+              <a:lstStyle/>
+              <a:p>
+                <a:pPr algn="ctr"/>
+                <a:r>
+                  <a:rPr lang="en-US" sz="1200" dirty="0"/>
+                  <a:t>Depth</a:t>
+                </a:r>
+              </a:p>
+            </p:txBody>
+          </p:sp>
+          <p:sp>
+            <p:nvSpPr>
+              <p:cNvPr id="16" name="TextBox 15">
+                <a:extLst>
+                  <a:ext uri="{FF2B5EF4-FFF2-40B4-BE49-F238E27FC236}">
+                    <a16:creationId xmlns:a16="http://schemas.microsoft.com/office/drawing/2014/main" id="{BBD9F18F-D698-FC48-E6E9-EAEC5232F87C}"/>
+                  </a:ext>
+                </a:extLst>
+              </p:cNvPr>
+              <p:cNvSpPr txBox="1"/>
+              <p:nvPr/>
+            </p:nvSpPr>
+            <p:spPr>
+              <a:xfrm>
+                <a:off x="449944" y="1842881"/>
+                <a:ext cx="1631735" cy="369332"/>
+              </a:xfrm>
+              <a:prstGeom prst="rect">
+                <a:avLst/>
+              </a:prstGeom>
+              <a:noFill/>
+            </p:spPr>
+            <p:txBody>
+              <a:bodyPr wrap="square" rtlCol="0">
+                <a:spAutoFit/>
+              </a:bodyPr>
+              <a:lstStyle/>
+              <a:p>
+                <a:pPr algn="ctr"/>
+                <a:r>
+                  <a:rPr lang="en-US" b="1" u="sng" dirty="0"/>
+                  <a:t>Side View:</a:t>
+                </a:r>
+              </a:p>
+            </p:txBody>
+          </p:sp>
+          <p:cxnSp>
+            <p:nvCxnSpPr>
+              <p:cNvPr id="64" name="Connector: Elbow 63">
+                <a:extLst>
+                  <a:ext uri="{FF2B5EF4-FFF2-40B4-BE49-F238E27FC236}">
+                    <a16:creationId xmlns:a16="http://schemas.microsoft.com/office/drawing/2014/main" id="{DAA25D63-80EF-16DE-0868-DD8376B7E883}"/>
+                  </a:ext>
+                </a:extLst>
+              </p:cNvPr>
+              <p:cNvCxnSpPr>
+                <a:cxnSpLocks/>
+                <a:endCxn id="22" idx="1"/>
+              </p:cNvCxnSpPr>
+              <p:nvPr/>
+            </p:nvCxnSpPr>
+            <p:spPr>
+              <a:xfrm>
+                <a:off x="3244874" y="2571750"/>
+                <a:ext cx="403579" cy="289368"/>
+              </a:xfrm>
+              <a:prstGeom prst="bentConnector3">
+                <a:avLst>
+                  <a:gd name="adj1" fmla="val 50000"/>
+                </a:avLst>
+              </a:prstGeom>
+              <a:ln w="9525">
+                <a:solidFill>
+                  <a:srgbClr val="000000"/>
+                </a:solidFill>
+                <a:headEnd type="triangle" w="sm" len="sm"/>
+                <a:tailEnd w="sm" len="sm"/>
+              </a:ln>
+              <a:effectLst/>
+            </p:spPr>
+            <p:style>
+              <a:lnRef idx="2">
+                <a:schemeClr val="accent1"/>
+              </a:lnRef>
+              <a:fillRef idx="0">
+                <a:schemeClr val="accent1"/>
+              </a:fillRef>
+              <a:effectRef idx="1">
+                <a:schemeClr val="accent1"/>
+              </a:effectRef>
+              <a:fontRef idx="minor">
+                <a:schemeClr val="tx1"/>
+              </a:fontRef>
+            </p:style>
+          </p:cxnSp>
+          <p:cxnSp>
+            <p:nvCxnSpPr>
+              <p:cNvPr id="73" name="Straight Connector 72">
+                <a:extLst>
+                  <a:ext uri="{FF2B5EF4-FFF2-40B4-BE49-F238E27FC236}">
+                    <a16:creationId xmlns:a16="http://schemas.microsoft.com/office/drawing/2014/main" id="{CDADC9DC-197E-2055-C884-FE6A2CBE4E96}"/>
+                  </a:ext>
+                </a:extLst>
+              </p:cNvPr>
+              <p:cNvCxnSpPr>
+                <a:cxnSpLocks/>
+              </p:cNvCxnSpPr>
+              <p:nvPr/>
+            </p:nvCxnSpPr>
+            <p:spPr>
+              <a:xfrm flipH="1" flipV="1">
+                <a:off x="2183997" y="2510378"/>
+                <a:ext cx="1064460" cy="353474"/>
+              </a:xfrm>
+              <a:prstGeom prst="line">
+                <a:avLst/>
+              </a:prstGeom>
+              <a:ln w="57150">
+                <a:solidFill>
+                  <a:srgbClr val="FFC000"/>
+                </a:solidFill>
+                <a:tailEnd type="stealth"/>
+              </a:ln>
+              <a:effectLst/>
+            </p:spPr>
+            <p:style>
+              <a:lnRef idx="2">
+                <a:schemeClr val="accent1"/>
+              </a:lnRef>
+              <a:fillRef idx="0">
+                <a:schemeClr val="accent1"/>
+              </a:fillRef>
+              <a:effectRef idx="1">
+                <a:schemeClr val="accent1"/>
+              </a:effectRef>
+              <a:fontRef idx="minor">
+                <a:schemeClr val="tx1"/>
+              </a:fontRef>
+            </p:style>
+          </p:cxnSp>
+          <p:sp>
+            <p:nvSpPr>
+              <p:cNvPr id="78" name="TextBox 77">
+                <a:extLst>
+                  <a:ext uri="{FF2B5EF4-FFF2-40B4-BE49-F238E27FC236}">
+                    <a16:creationId xmlns:a16="http://schemas.microsoft.com/office/drawing/2014/main" id="{29FEDF02-12F8-37BA-B20F-31872D7F59AD}"/>
+                  </a:ext>
+                </a:extLst>
+              </p:cNvPr>
+              <p:cNvSpPr txBox="1"/>
+              <p:nvPr/>
+            </p:nvSpPr>
+            <p:spPr>
+              <a:xfrm rot="1102626">
+                <a:off x="2110104" y="3194634"/>
+                <a:ext cx="1413706" cy="276999"/>
+              </a:xfrm>
+              <a:prstGeom prst="rect">
+                <a:avLst/>
+              </a:prstGeom>
+              <a:noFill/>
+            </p:spPr>
+            <p:txBody>
+              <a:bodyPr wrap="square" rtlCol="0">
+                <a:spAutoFit/>
+              </a:bodyPr>
+              <a:lstStyle/>
+              <a:p>
+                <a:pPr algn="ctr"/>
+                <a:r>
+                  <a:rPr lang="en-US" sz="1200" dirty="0"/>
+                  <a:t>Radiation</a:t>
+                </a:r>
+              </a:p>
+            </p:txBody>
+          </p:sp>
+          <p:cxnSp>
+            <p:nvCxnSpPr>
+              <p:cNvPr id="80" name="Straight Connector 79">
+                <a:extLst>
+                  <a:ext uri="{FF2B5EF4-FFF2-40B4-BE49-F238E27FC236}">
+                    <a16:creationId xmlns:a16="http://schemas.microsoft.com/office/drawing/2014/main" id="{5CA3935C-0180-8C8F-879E-B72EF5AA5EE7}"/>
+                  </a:ext>
+                </a:extLst>
+              </p:cNvPr>
+              <p:cNvCxnSpPr>
+                <a:cxnSpLocks/>
+              </p:cNvCxnSpPr>
+              <p:nvPr/>
+            </p:nvCxnSpPr>
+            <p:spPr>
+              <a:xfrm flipH="1" flipV="1">
+                <a:off x="2183997" y="2872269"/>
+                <a:ext cx="1064460" cy="353474"/>
+              </a:xfrm>
+              <a:prstGeom prst="line">
+                <a:avLst/>
+              </a:prstGeom>
+              <a:ln w="57150">
+                <a:solidFill>
+                  <a:srgbClr val="FFC000"/>
+                </a:solidFill>
+                <a:tailEnd type="stealth"/>
+              </a:ln>
+              <a:effectLst/>
+            </p:spPr>
+            <p:style>
+              <a:lnRef idx="2">
+                <a:schemeClr val="accent1"/>
+              </a:lnRef>
+              <a:fillRef idx="0">
+                <a:schemeClr val="accent1"/>
+              </a:fillRef>
+              <a:effectRef idx="1">
+                <a:schemeClr val="accent1"/>
+              </a:effectRef>
+              <a:fontRef idx="minor">
+                <a:schemeClr val="tx1"/>
+              </a:fontRef>
+            </p:style>
+          </p:cxnSp>
+          <p:cxnSp>
+            <p:nvCxnSpPr>
+              <p:cNvPr id="81" name="Straight Connector 80">
+                <a:extLst>
+                  <a:ext uri="{FF2B5EF4-FFF2-40B4-BE49-F238E27FC236}">
+                    <a16:creationId xmlns:a16="http://schemas.microsoft.com/office/drawing/2014/main" id="{4140723C-EAF2-2569-EDC3-352BFCA27949}"/>
+                  </a:ext>
+                </a:extLst>
+              </p:cNvPr>
+              <p:cNvCxnSpPr>
+                <a:cxnSpLocks/>
+              </p:cNvCxnSpPr>
+              <p:nvPr/>
+            </p:nvCxnSpPr>
+            <p:spPr>
+              <a:xfrm flipH="1" flipV="1">
+                <a:off x="2183997" y="3234160"/>
+                <a:ext cx="1064460" cy="353474"/>
+              </a:xfrm>
+              <a:prstGeom prst="line">
+                <a:avLst/>
+              </a:prstGeom>
+              <a:ln w="57150">
+                <a:solidFill>
+                  <a:srgbClr val="FFC000"/>
+                </a:solidFill>
+                <a:tailEnd type="stealth"/>
+              </a:ln>
+              <a:effectLst/>
+            </p:spPr>
+            <p:style>
+              <a:lnRef idx="2">
+                <a:schemeClr val="accent1"/>
+              </a:lnRef>
+              <a:fillRef idx="0">
+                <a:schemeClr val="accent1"/>
+              </a:fillRef>
+              <a:effectRef idx="1">
+                <a:schemeClr val="accent1"/>
+              </a:effectRef>
+              <a:fontRef idx="minor">
+                <a:schemeClr val="tx1"/>
+              </a:fontRef>
+            </p:style>
+          </p:cxnSp>
+          <p:cxnSp>
+            <p:nvCxnSpPr>
+              <p:cNvPr id="82" name="Straight Connector 81">
+                <a:extLst>
+                  <a:ext uri="{FF2B5EF4-FFF2-40B4-BE49-F238E27FC236}">
+                    <a16:creationId xmlns:a16="http://schemas.microsoft.com/office/drawing/2014/main" id="{6CE130F1-D97A-2F9F-2882-2B41CA7F18EE}"/>
+                  </a:ext>
+                </a:extLst>
+              </p:cNvPr>
+              <p:cNvCxnSpPr>
+                <a:cxnSpLocks/>
+              </p:cNvCxnSpPr>
+              <p:nvPr/>
+            </p:nvCxnSpPr>
+            <p:spPr>
+              <a:xfrm flipH="1" flipV="1">
+                <a:off x="2183997" y="3596051"/>
+                <a:ext cx="1064460" cy="353474"/>
+              </a:xfrm>
+              <a:prstGeom prst="line">
+                <a:avLst/>
+              </a:prstGeom>
+              <a:ln w="57150">
+                <a:solidFill>
+                  <a:srgbClr val="FFC000"/>
+                </a:solidFill>
+                <a:tailEnd type="stealth"/>
+              </a:ln>
+              <a:effectLst/>
+            </p:spPr>
+            <p:style>
+              <a:lnRef idx="2">
+                <a:schemeClr val="accent1"/>
+              </a:lnRef>
+              <a:fillRef idx="0">
+                <a:schemeClr val="accent1"/>
+              </a:fillRef>
+              <a:effectRef idx="1">
+                <a:schemeClr val="accent1"/>
+              </a:effectRef>
+              <a:fontRef idx="minor">
+                <a:schemeClr val="tx1"/>
+              </a:fontRef>
+            </p:style>
+          </p:cxnSp>
+          <p:cxnSp>
+            <p:nvCxnSpPr>
+              <p:cNvPr id="84" name="Straight Connector 83">
+                <a:extLst>
+                  <a:ext uri="{FF2B5EF4-FFF2-40B4-BE49-F238E27FC236}">
+                    <a16:creationId xmlns:a16="http://schemas.microsoft.com/office/drawing/2014/main" id="{88348C7B-BD60-1A79-0DBE-B4554B5916B4}"/>
+                  </a:ext>
+                </a:extLst>
+              </p:cNvPr>
+              <p:cNvCxnSpPr>
+                <a:cxnSpLocks/>
+              </p:cNvCxnSpPr>
+              <p:nvPr/>
+            </p:nvCxnSpPr>
+            <p:spPr>
+              <a:xfrm flipH="1" flipV="1">
+                <a:off x="2183997" y="3957943"/>
+                <a:ext cx="1064460" cy="353474"/>
+              </a:xfrm>
+              <a:prstGeom prst="line">
+                <a:avLst/>
+              </a:prstGeom>
+              <a:ln w="57150">
+                <a:solidFill>
+                  <a:srgbClr val="FFC000"/>
+                </a:solidFill>
+                <a:tailEnd type="stealth"/>
+              </a:ln>
+              <a:effectLst/>
+            </p:spPr>
+            <p:style>
+              <a:lnRef idx="2">
+                <a:schemeClr val="accent1"/>
+              </a:lnRef>
+              <a:fillRef idx="0">
+                <a:schemeClr val="accent1"/>
+              </a:fillRef>
+              <a:effectRef idx="1">
+                <a:schemeClr val="accent1"/>
+              </a:effectRef>
+              <a:fontRef idx="minor">
+                <a:schemeClr val="tx1"/>
+              </a:fontRef>
+            </p:style>
+          </p:cxnSp>
+          <p:sp>
+            <p:nvSpPr>
+              <p:cNvPr id="65" name="TextBox 64">
+                <a:extLst>
+                  <a:ext uri="{FF2B5EF4-FFF2-40B4-BE49-F238E27FC236}">
+                    <a16:creationId xmlns:a16="http://schemas.microsoft.com/office/drawing/2014/main" id="{5E1E79C6-767F-7B87-8AE8-B8522E74291E}"/>
+                  </a:ext>
+                </a:extLst>
+              </p:cNvPr>
+              <p:cNvSpPr txBox="1"/>
+              <p:nvPr/>
+            </p:nvSpPr>
+            <p:spPr>
+              <a:xfrm>
+                <a:off x="2377117" y="2127209"/>
+                <a:ext cx="1617305" cy="261610"/>
+              </a:xfrm>
+              <a:prstGeom prst="rect">
+                <a:avLst/>
+              </a:prstGeom>
+              <a:noFill/>
+            </p:spPr>
+            <p:txBody>
+              <a:bodyPr wrap="square" rtlCol="0">
+                <a:spAutoFit/>
+              </a:bodyPr>
+              <a:lstStyle/>
+              <a:p>
+                <a:pPr algn="ctr"/>
+                <a:r>
+                  <a:rPr lang="en-US" sz="1100" dirty="0"/>
+                  <a:t>Top Vertical Angle</a:t>
+                </a:r>
+              </a:p>
+            </p:txBody>
+          </p:sp>
+          <p:grpSp>
+            <p:nvGrpSpPr>
+              <p:cNvPr id="68" name="Group 67">
+                <a:extLst>
+                  <a:ext uri="{FF2B5EF4-FFF2-40B4-BE49-F238E27FC236}">
+                    <a16:creationId xmlns:a16="http://schemas.microsoft.com/office/drawing/2014/main" id="{2A9E0BEE-9B9C-DA5C-CEA7-E8E0DE175D51}"/>
+                  </a:ext>
+                </a:extLst>
+              </p:cNvPr>
+              <p:cNvGrpSpPr/>
+              <p:nvPr/>
+            </p:nvGrpSpPr>
+            <p:grpSpPr>
+              <a:xfrm flipH="1" flipV="1">
+                <a:off x="1813709" y="1821047"/>
+                <a:ext cx="1052775" cy="655959"/>
+                <a:chOff x="2915155" y="1839607"/>
+                <a:chExt cx="1052775" cy="655959"/>
+              </a:xfrm>
+            </p:grpSpPr>
+            <p:sp>
+              <p:nvSpPr>
+                <p:cNvPr id="31" name="Arc 30">
+                  <a:extLst>
+                    <a:ext uri="{FF2B5EF4-FFF2-40B4-BE49-F238E27FC236}">
+                      <a16:creationId xmlns:a16="http://schemas.microsoft.com/office/drawing/2014/main" id="{DB8F0ED7-A374-43D5-67A4-5287E26FA0E3}"/>
+                    </a:ext>
+                  </a:extLst>
+                </p:cNvPr>
+                <p:cNvSpPr/>
+                <p:nvPr/>
+              </p:nvSpPr>
+              <p:spPr>
+                <a:xfrm>
+                  <a:off x="3362082" y="1839607"/>
+                  <a:ext cx="605848" cy="655959"/>
+                </a:xfrm>
+                <a:prstGeom prst="arc">
+                  <a:avLst>
+                    <a:gd name="adj1" fmla="val 10925241"/>
+                    <a:gd name="adj2" fmla="val 12274328"/>
+                  </a:avLst>
+                </a:prstGeom>
+                <a:ln w="9525">
+                  <a:solidFill>
+                    <a:srgbClr val="000000"/>
+                  </a:solidFill>
+                </a:ln>
+                <a:effectLst/>
+              </p:spPr>
+              <p:style>
+                <a:lnRef idx="2">
+                  <a:schemeClr val="accent1"/>
+                </a:lnRef>
+                <a:fillRef idx="0">
+                  <a:schemeClr val="accent1"/>
+                </a:fillRef>
+                <a:effectRef idx="1">
+                  <a:schemeClr val="accent1"/>
+                </a:effectRef>
+                <a:fontRef idx="minor">
+                  <a:schemeClr val="tx1"/>
+                </a:fontRef>
+              </p:style>
+              <p:txBody>
+                <a:bodyPr rtlCol="0" anchor="ctr"/>
+                <a:lstStyle/>
+                <a:p>
+                  <a:pPr algn="ctr"/>
+                  <a:endParaRPr lang="en-US"/>
+                </a:p>
+              </p:txBody>
+            </p:sp>
+            <p:cxnSp>
+              <p:nvCxnSpPr>
+                <p:cNvPr id="66" name="Straight Connector 65">
+                  <a:extLst>
+                    <a:ext uri="{FF2B5EF4-FFF2-40B4-BE49-F238E27FC236}">
+                      <a16:creationId xmlns:a16="http://schemas.microsoft.com/office/drawing/2014/main" id="{AD8F3BA2-DDCC-4350-8975-5AA2A1E34B13}"/>
+                    </a:ext>
+                  </a:extLst>
+                </p:cNvPr>
+                <p:cNvCxnSpPr>
+                  <a:cxnSpLocks/>
+                </p:cNvCxnSpPr>
+                <p:nvPr/>
+              </p:nvCxnSpPr>
+              <p:spPr>
+                <a:xfrm flipV="1">
+                  <a:off x="2915155" y="2160898"/>
+                  <a:ext cx="749281" cy="0"/>
+                </a:xfrm>
+                <a:prstGeom prst="line">
+                  <a:avLst/>
+                </a:prstGeom>
+                <a:ln w="9525">
+                  <a:solidFill>
+                    <a:srgbClr val="000000"/>
+                  </a:solidFill>
+                </a:ln>
+                <a:effectLst/>
+              </p:spPr>
+              <p:style>
+                <a:lnRef idx="2">
+                  <a:schemeClr val="accent1"/>
+                </a:lnRef>
+                <a:fillRef idx="0">
+                  <a:schemeClr val="accent1"/>
+                </a:fillRef>
+                <a:effectRef idx="1">
+                  <a:schemeClr val="accent1"/>
+                </a:effectRef>
+                <a:fontRef idx="minor">
+                  <a:schemeClr val="tx1"/>
+                </a:fontRef>
+              </p:style>
+            </p:cxnSp>
+            <p:cxnSp>
+              <p:nvCxnSpPr>
+                <p:cNvPr id="67" name="Connector: Elbow 66">
+                  <a:extLst>
+                    <a:ext uri="{FF2B5EF4-FFF2-40B4-BE49-F238E27FC236}">
+                      <a16:creationId xmlns:a16="http://schemas.microsoft.com/office/drawing/2014/main" id="{202BA75F-E760-C6FC-B9CB-EEA022E62E1A}"/>
+                    </a:ext>
+                  </a:extLst>
+                </p:cNvPr>
+                <p:cNvCxnSpPr>
+                  <a:cxnSpLocks/>
+                </p:cNvCxnSpPr>
+                <p:nvPr/>
+              </p:nvCxnSpPr>
+              <p:spPr>
+                <a:xfrm rot="10800000">
+                  <a:off x="3184238" y="2064171"/>
+                  <a:ext cx="180979" cy="30957"/>
+                </a:xfrm>
+                <a:prstGeom prst="bentConnector3">
+                  <a:avLst>
+                    <a:gd name="adj1" fmla="val 50000"/>
+                  </a:avLst>
+                </a:prstGeom>
+                <a:ln w="9525">
+                  <a:solidFill>
+                    <a:srgbClr val="000000"/>
+                  </a:solidFill>
+                  <a:headEnd type="oval" w="sm" len="sm"/>
+                  <a:tailEnd w="sm" len="sm"/>
+                </a:ln>
+                <a:effectLst/>
+              </p:spPr>
+              <p:style>
+                <a:lnRef idx="2">
+                  <a:schemeClr val="accent1"/>
+                </a:lnRef>
+                <a:fillRef idx="0">
+                  <a:schemeClr val="accent1"/>
+                </a:fillRef>
+                <a:effectRef idx="1">
+                  <a:schemeClr val="accent1"/>
+                </a:effectRef>
+                <a:fontRef idx="minor">
+                  <a:schemeClr val="tx1"/>
+                </a:fontRef>
+              </p:style>
+            </p:cxnSp>
+          </p:grpSp>
+        </p:grpSp>
+        <p:grpSp>
+          <p:nvGrpSpPr>
+            <p:cNvPr id="7" name="Group 6">
+              <a:extLst>
+                <a:ext uri="{FF2B5EF4-FFF2-40B4-BE49-F238E27FC236}">
+                  <a16:creationId xmlns:a16="http://schemas.microsoft.com/office/drawing/2014/main" id="{BB99CF89-1178-5967-6868-1FBEDA6FE0AF}"/>
+                </a:ext>
+              </a:extLst>
+            </p:cNvPr>
+            <p:cNvGrpSpPr/>
+            <p:nvPr/>
+          </p:nvGrpSpPr>
+          <p:grpSpPr>
+            <a:xfrm>
+              <a:off x="3454541" y="1184815"/>
+              <a:ext cx="4032249" cy="3557653"/>
+              <a:chOff x="3454541" y="1184815"/>
+              <a:chExt cx="4032249" cy="3557653"/>
+            </a:xfrm>
+          </p:grpSpPr>
+          <p:sp>
+            <p:nvSpPr>
+              <p:cNvPr id="19" name="TextBox 18">
+                <a:extLst>
+                  <a:ext uri="{FF2B5EF4-FFF2-40B4-BE49-F238E27FC236}">
+                    <a16:creationId xmlns:a16="http://schemas.microsoft.com/office/drawing/2014/main" id="{2A55E048-CC48-11A6-FFB2-08105EF5BF0A}"/>
+                  </a:ext>
+                </a:extLst>
+              </p:cNvPr>
+              <p:cNvSpPr txBox="1"/>
+              <p:nvPr/>
+            </p:nvSpPr>
+            <p:spPr>
+              <a:xfrm>
+                <a:off x="3834314" y="1820049"/>
+                <a:ext cx="1547644" cy="369332"/>
+              </a:xfrm>
+              <a:prstGeom prst="rect">
+                <a:avLst/>
+              </a:prstGeom>
+              <a:noFill/>
+            </p:spPr>
+            <p:txBody>
+              <a:bodyPr wrap="square" rtlCol="0">
+                <a:spAutoFit/>
+              </a:bodyPr>
+              <a:lstStyle/>
+              <a:p>
+                <a:pPr algn="ctr"/>
+                <a:r>
+                  <a:rPr lang="en-US" b="1" u="sng" dirty="0"/>
+                  <a:t>Top View:</a:t>
+                </a:r>
+              </a:p>
+            </p:txBody>
+          </p:sp>
+          <p:cxnSp>
+            <p:nvCxnSpPr>
+              <p:cNvPr id="20" name="Straight Connector 19">
+                <a:extLst>
+                  <a:ext uri="{FF2B5EF4-FFF2-40B4-BE49-F238E27FC236}">
+                    <a16:creationId xmlns:a16="http://schemas.microsoft.com/office/drawing/2014/main" id="{50E36079-41B6-383F-9037-CF517D84755D}"/>
+                  </a:ext>
+                </a:extLst>
+              </p:cNvPr>
+              <p:cNvCxnSpPr>
+                <a:cxnSpLocks/>
+              </p:cNvCxnSpPr>
+              <p:nvPr/>
+            </p:nvCxnSpPr>
+            <p:spPr>
+              <a:xfrm rot="5400000">
+                <a:off x="5467835" y="1662753"/>
+                <a:ext cx="0" cy="1828800"/>
+              </a:xfrm>
+              <a:prstGeom prst="line">
+                <a:avLst/>
+              </a:prstGeom>
+              <a:ln w="19050">
+                <a:solidFill>
+                  <a:srgbClr val="000000"/>
+                </a:solidFill>
+                <a:prstDash val="dash"/>
+              </a:ln>
+              <a:effectLst/>
+            </p:spPr>
+            <p:style>
+              <a:lnRef idx="2">
+                <a:schemeClr val="accent1"/>
+              </a:lnRef>
+              <a:fillRef idx="0">
+                <a:schemeClr val="accent1"/>
+              </a:fillRef>
+              <a:effectRef idx="1">
+                <a:schemeClr val="accent1"/>
+              </a:effectRef>
+              <a:fontRef idx="minor">
+                <a:schemeClr val="tx1"/>
+              </a:fontRef>
+            </p:style>
+          </p:cxnSp>
+          <p:sp>
+            <p:nvSpPr>
+              <p:cNvPr id="23" name="TextBox 22">
+                <a:extLst>
+                  <a:ext uri="{FF2B5EF4-FFF2-40B4-BE49-F238E27FC236}">
+                    <a16:creationId xmlns:a16="http://schemas.microsoft.com/office/drawing/2014/main" id="{53234D2D-9AD2-3199-05FA-701204A2D4A1}"/>
+                  </a:ext>
+                </a:extLst>
+              </p:cNvPr>
+              <p:cNvSpPr txBox="1"/>
+              <p:nvPr/>
+            </p:nvSpPr>
+            <p:spPr>
+              <a:xfrm>
+                <a:off x="4103153" y="2266005"/>
+                <a:ext cx="2729364" cy="307777"/>
+              </a:xfrm>
+              <a:prstGeom prst="rect">
+                <a:avLst/>
+              </a:prstGeom>
+              <a:noFill/>
+            </p:spPr>
+            <p:txBody>
+              <a:bodyPr wrap="square" rtlCol="0">
+                <a:spAutoFit/>
+              </a:bodyPr>
+              <a:lstStyle/>
+              <a:p>
+                <a:pPr algn="ctr"/>
+                <a:r>
+                  <a:rPr lang="en-US" sz="1400" dirty="0"/>
+                  <a:t>Aperture Window</a:t>
+                </a:r>
+              </a:p>
+            </p:txBody>
+          </p:sp>
+          <p:cxnSp>
+            <p:nvCxnSpPr>
+              <p:cNvPr id="24" name="Straight Connector 23">
+                <a:extLst>
+                  <a:ext uri="{FF2B5EF4-FFF2-40B4-BE49-F238E27FC236}">
+                    <a16:creationId xmlns:a16="http://schemas.microsoft.com/office/drawing/2014/main" id="{58A275A5-71EE-8694-C5EB-CD52C1E72433}"/>
+                  </a:ext>
+                </a:extLst>
+              </p:cNvPr>
+              <p:cNvCxnSpPr>
+                <a:cxnSpLocks/>
+              </p:cNvCxnSpPr>
+              <p:nvPr/>
+            </p:nvCxnSpPr>
+            <p:spPr>
+              <a:xfrm>
+                <a:off x="6382235" y="2580525"/>
+                <a:ext cx="457200" cy="1097280"/>
+              </a:xfrm>
+              <a:prstGeom prst="line">
+                <a:avLst/>
+              </a:prstGeom>
+              <a:ln w="28575">
+                <a:solidFill>
+                  <a:srgbClr val="000000"/>
+                </a:solidFill>
+              </a:ln>
+              <a:effectLst/>
+            </p:spPr>
+            <p:style>
+              <a:lnRef idx="2">
+                <a:schemeClr val="accent1"/>
+              </a:lnRef>
+              <a:fillRef idx="0">
+                <a:schemeClr val="accent1"/>
+              </a:fillRef>
+              <a:effectRef idx="1">
+                <a:schemeClr val="accent1"/>
+              </a:effectRef>
+              <a:fontRef idx="minor">
+                <a:schemeClr val="tx1"/>
+              </a:fontRef>
+            </p:style>
+          </p:cxnSp>
+          <p:sp>
+            <p:nvSpPr>
+              <p:cNvPr id="70" name="Arc 69">
+                <a:extLst>
+                  <a:ext uri="{FF2B5EF4-FFF2-40B4-BE49-F238E27FC236}">
+                    <a16:creationId xmlns:a16="http://schemas.microsoft.com/office/drawing/2014/main" id="{A5BDE080-C63E-8F43-241F-E73D59865433}"/>
+                  </a:ext>
+                </a:extLst>
+              </p:cNvPr>
+              <p:cNvSpPr/>
+              <p:nvPr/>
+            </p:nvSpPr>
+            <p:spPr>
+              <a:xfrm flipV="1">
+                <a:off x="3454541" y="1184815"/>
+                <a:ext cx="4032249" cy="2502605"/>
+              </a:xfrm>
+              <a:prstGeom prst="arc">
+                <a:avLst>
+                  <a:gd name="adj1" fmla="val 13138650"/>
+                  <a:gd name="adj2" fmla="val 19310817"/>
+                </a:avLst>
+              </a:prstGeom>
+              <a:ln w="9525">
+                <a:solidFill>
+                  <a:srgbClr val="000000"/>
+                </a:solidFill>
+                <a:headEnd type="triangle"/>
+                <a:tailEnd type="triangle"/>
+              </a:ln>
+              <a:effectLst/>
+            </p:spPr>
+            <p:style>
+              <a:lnRef idx="2">
+                <a:schemeClr val="accent1"/>
+              </a:lnRef>
+              <a:fillRef idx="0">
+                <a:schemeClr val="accent1"/>
+              </a:fillRef>
+              <a:effectRef idx="1">
+                <a:schemeClr val="accent1"/>
+              </a:effectRef>
+              <a:fontRef idx="minor">
+                <a:schemeClr val="tx1"/>
+              </a:fontRef>
+            </p:style>
+            <p:txBody>
+              <a:bodyPr rtlCol="0" anchor="ctr"/>
+              <a:lstStyle/>
+              <a:p>
+                <a:pPr algn="ctr"/>
+                <a:endParaRPr lang="en-US"/>
+              </a:p>
+            </p:txBody>
+          </p:sp>
+          <p:sp>
+            <p:nvSpPr>
+              <p:cNvPr id="71" name="TextBox 70">
+                <a:extLst>
+                  <a:ext uri="{FF2B5EF4-FFF2-40B4-BE49-F238E27FC236}">
+                    <a16:creationId xmlns:a16="http://schemas.microsoft.com/office/drawing/2014/main" id="{FEDD8E80-4B7C-C259-FBCF-0C74CAAE482B}"/>
+                  </a:ext>
+                </a:extLst>
+              </p:cNvPr>
+              <p:cNvSpPr txBox="1"/>
+              <p:nvPr/>
+            </p:nvSpPr>
+            <p:spPr>
+              <a:xfrm>
+                <a:off x="5013269" y="3460419"/>
+                <a:ext cx="944388" cy="461665"/>
+              </a:xfrm>
+              <a:prstGeom prst="rect">
+                <a:avLst/>
+              </a:prstGeom>
+              <a:solidFill>
+                <a:schemeClr val="bg1"/>
+              </a:solidFill>
+            </p:spPr>
+            <p:txBody>
+              <a:bodyPr wrap="square" rtlCol="0">
+                <a:spAutoFit/>
+              </a:bodyPr>
+              <a:lstStyle/>
+              <a:p>
+                <a:pPr algn="ctr"/>
+                <a:r>
+                  <a:rPr lang="en-US" sz="1200" dirty="0"/>
+                  <a:t>Horizontal Angle</a:t>
+                </a:r>
+              </a:p>
+            </p:txBody>
+          </p:sp>
+          <p:cxnSp>
+            <p:nvCxnSpPr>
+              <p:cNvPr id="72" name="Straight Connector 71">
+                <a:extLst>
+                  <a:ext uri="{FF2B5EF4-FFF2-40B4-BE49-F238E27FC236}">
+                    <a16:creationId xmlns:a16="http://schemas.microsoft.com/office/drawing/2014/main" id="{D1A1B50B-0E20-A413-48C4-3E31FD00569D}"/>
+                  </a:ext>
+                </a:extLst>
+              </p:cNvPr>
+              <p:cNvCxnSpPr>
+                <a:cxnSpLocks/>
+              </p:cNvCxnSpPr>
+              <p:nvPr/>
+            </p:nvCxnSpPr>
+            <p:spPr>
+              <a:xfrm flipH="1">
+                <a:off x="4131492" y="2580525"/>
+                <a:ext cx="457200" cy="1097280"/>
+              </a:xfrm>
+              <a:prstGeom prst="line">
+                <a:avLst/>
+              </a:prstGeom>
+              <a:ln w="28575">
+                <a:solidFill>
+                  <a:srgbClr val="000000"/>
+                </a:solidFill>
+              </a:ln>
+              <a:effectLst/>
+            </p:spPr>
+            <p:style>
+              <a:lnRef idx="2">
+                <a:schemeClr val="accent1"/>
+              </a:lnRef>
+              <a:fillRef idx="0">
+                <a:schemeClr val="accent1"/>
+              </a:fillRef>
+              <a:effectRef idx="1">
+                <a:schemeClr val="accent1"/>
+              </a:effectRef>
+              <a:fontRef idx="minor">
+                <a:schemeClr val="tx1"/>
+              </a:fontRef>
+            </p:style>
+          </p:cxnSp>
+          <p:cxnSp>
+            <p:nvCxnSpPr>
+              <p:cNvPr id="85" name="Straight Connector 84">
+                <a:extLst>
+                  <a:ext uri="{FF2B5EF4-FFF2-40B4-BE49-F238E27FC236}">
+                    <a16:creationId xmlns:a16="http://schemas.microsoft.com/office/drawing/2014/main" id="{EF7FF693-B65A-F2DA-5B25-3CC70847260C}"/>
+                  </a:ext>
+                </a:extLst>
+              </p:cNvPr>
+              <p:cNvCxnSpPr>
+                <a:cxnSpLocks/>
+              </p:cNvCxnSpPr>
+              <p:nvPr/>
+            </p:nvCxnSpPr>
+            <p:spPr>
+              <a:xfrm flipV="1">
+                <a:off x="6224655" y="2674802"/>
+                <a:ext cx="0" cy="372633"/>
+              </a:xfrm>
+              <a:prstGeom prst="line">
+                <a:avLst/>
+              </a:prstGeom>
+              <a:ln w="57150">
+                <a:solidFill>
+                  <a:srgbClr val="FFC000"/>
+                </a:solidFill>
+                <a:tailEnd type="stealth"/>
+              </a:ln>
+              <a:effectLst/>
+            </p:spPr>
+            <p:style>
+              <a:lnRef idx="2">
+                <a:schemeClr val="accent1"/>
+              </a:lnRef>
+              <a:fillRef idx="0">
+                <a:schemeClr val="accent1"/>
+              </a:fillRef>
+              <a:effectRef idx="1">
+                <a:schemeClr val="accent1"/>
+              </a:effectRef>
+              <a:fontRef idx="minor">
+                <a:schemeClr val="tx1"/>
+              </a:fontRef>
+            </p:style>
+          </p:cxnSp>
+          <p:cxnSp>
+            <p:nvCxnSpPr>
+              <p:cNvPr id="87" name="Straight Connector 86">
+                <a:extLst>
+                  <a:ext uri="{FF2B5EF4-FFF2-40B4-BE49-F238E27FC236}">
+                    <a16:creationId xmlns:a16="http://schemas.microsoft.com/office/drawing/2014/main" id="{051B503E-0AD4-D1DB-DDA8-2A3642DE3D5C}"/>
+                  </a:ext>
+                </a:extLst>
+              </p:cNvPr>
+              <p:cNvCxnSpPr>
+                <a:cxnSpLocks/>
+              </p:cNvCxnSpPr>
+              <p:nvPr/>
+            </p:nvCxnSpPr>
+            <p:spPr>
+              <a:xfrm flipV="1">
+                <a:off x="4770505" y="2674802"/>
+                <a:ext cx="0" cy="372633"/>
+              </a:xfrm>
+              <a:prstGeom prst="line">
+                <a:avLst/>
+              </a:prstGeom>
+              <a:ln w="57150">
+                <a:solidFill>
+                  <a:srgbClr val="FFC000"/>
+                </a:solidFill>
+                <a:tailEnd type="stealth"/>
+              </a:ln>
+              <a:effectLst/>
+            </p:spPr>
+            <p:style>
+              <a:lnRef idx="2">
+                <a:schemeClr val="accent1"/>
+              </a:lnRef>
+              <a:fillRef idx="0">
+                <a:schemeClr val="accent1"/>
+              </a:fillRef>
+              <a:effectRef idx="1">
+                <a:schemeClr val="accent1"/>
+              </a:effectRef>
+              <a:fontRef idx="minor">
+                <a:schemeClr val="tx1"/>
+              </a:fontRef>
+            </p:style>
+          </p:cxnSp>
+          <p:cxnSp>
+            <p:nvCxnSpPr>
+              <p:cNvPr id="88" name="Straight Connector 87">
+                <a:extLst>
+                  <a:ext uri="{FF2B5EF4-FFF2-40B4-BE49-F238E27FC236}">
+                    <a16:creationId xmlns:a16="http://schemas.microsoft.com/office/drawing/2014/main" id="{69E99853-8559-DDAC-0056-C5B02F7F4708}"/>
+                  </a:ext>
+                </a:extLst>
+              </p:cNvPr>
+              <p:cNvCxnSpPr>
+                <a:cxnSpLocks/>
+              </p:cNvCxnSpPr>
+              <p:nvPr/>
+            </p:nvCxnSpPr>
+            <p:spPr>
+              <a:xfrm flipV="1">
+                <a:off x="5134043" y="2674802"/>
+                <a:ext cx="0" cy="372633"/>
+              </a:xfrm>
+              <a:prstGeom prst="line">
+                <a:avLst/>
+              </a:prstGeom>
+              <a:ln w="57150">
+                <a:solidFill>
+                  <a:srgbClr val="FFC000"/>
+                </a:solidFill>
+                <a:tailEnd type="stealth"/>
+              </a:ln>
+              <a:effectLst/>
+            </p:spPr>
+            <p:style>
+              <a:lnRef idx="2">
+                <a:schemeClr val="accent1"/>
+              </a:lnRef>
+              <a:fillRef idx="0">
+                <a:schemeClr val="accent1"/>
+              </a:fillRef>
+              <a:effectRef idx="1">
+                <a:schemeClr val="accent1"/>
+              </a:effectRef>
+              <a:fontRef idx="minor">
+                <a:schemeClr val="tx1"/>
+              </a:fontRef>
+            </p:style>
+          </p:cxnSp>
+          <p:cxnSp>
+            <p:nvCxnSpPr>
+              <p:cNvPr id="89" name="Straight Connector 88">
+                <a:extLst>
+                  <a:ext uri="{FF2B5EF4-FFF2-40B4-BE49-F238E27FC236}">
+                    <a16:creationId xmlns:a16="http://schemas.microsoft.com/office/drawing/2014/main" id="{6DF7130A-A50B-472F-B338-962453375A58}"/>
+                  </a:ext>
+                </a:extLst>
+              </p:cNvPr>
+              <p:cNvCxnSpPr>
+                <a:cxnSpLocks/>
+              </p:cNvCxnSpPr>
+              <p:nvPr/>
+            </p:nvCxnSpPr>
+            <p:spPr>
+              <a:xfrm flipV="1">
+                <a:off x="5497581" y="2674802"/>
+                <a:ext cx="0" cy="372633"/>
+              </a:xfrm>
+              <a:prstGeom prst="line">
+                <a:avLst/>
+              </a:prstGeom>
+              <a:ln w="57150">
+                <a:solidFill>
+                  <a:srgbClr val="FFC000"/>
+                </a:solidFill>
+                <a:tailEnd type="stealth"/>
+              </a:ln>
+              <a:effectLst/>
+            </p:spPr>
+            <p:style>
+              <a:lnRef idx="2">
+                <a:schemeClr val="accent1"/>
+              </a:lnRef>
+              <a:fillRef idx="0">
+                <a:schemeClr val="accent1"/>
+              </a:fillRef>
+              <a:effectRef idx="1">
+                <a:schemeClr val="accent1"/>
+              </a:effectRef>
+              <a:fontRef idx="minor">
+                <a:schemeClr val="tx1"/>
+              </a:fontRef>
+            </p:style>
+          </p:cxnSp>
+          <p:cxnSp>
+            <p:nvCxnSpPr>
+              <p:cNvPr id="90" name="Straight Connector 89">
+                <a:extLst>
+                  <a:ext uri="{FF2B5EF4-FFF2-40B4-BE49-F238E27FC236}">
+                    <a16:creationId xmlns:a16="http://schemas.microsoft.com/office/drawing/2014/main" id="{0FAEECC6-12BC-B0DE-CB6E-24CBABE83A2F}"/>
+                  </a:ext>
+                </a:extLst>
+              </p:cNvPr>
+              <p:cNvCxnSpPr>
+                <a:cxnSpLocks/>
+              </p:cNvCxnSpPr>
+              <p:nvPr/>
+            </p:nvCxnSpPr>
+            <p:spPr>
+              <a:xfrm flipV="1">
+                <a:off x="5861119" y="2674802"/>
+                <a:ext cx="0" cy="372633"/>
+              </a:xfrm>
+              <a:prstGeom prst="line">
+                <a:avLst/>
+              </a:prstGeom>
+              <a:ln w="57150">
+                <a:solidFill>
+                  <a:srgbClr val="FFC000"/>
+                </a:solidFill>
+                <a:tailEnd type="stealth"/>
+              </a:ln>
+              <a:effectLst/>
+            </p:spPr>
+            <p:style>
+              <a:lnRef idx="2">
+                <a:schemeClr val="accent1"/>
+              </a:lnRef>
+              <a:fillRef idx="0">
+                <a:schemeClr val="accent1"/>
+              </a:fillRef>
+              <a:effectRef idx="1">
+                <a:schemeClr val="accent1"/>
+              </a:effectRef>
+              <a:fontRef idx="minor">
+                <a:schemeClr val="tx1"/>
+              </a:fontRef>
+            </p:style>
+          </p:cxnSp>
+          <p:sp>
+            <p:nvSpPr>
+              <p:cNvPr id="3" name="TextBox 2">
+                <a:extLst>
+                  <a:ext uri="{FF2B5EF4-FFF2-40B4-BE49-F238E27FC236}">
+                    <a16:creationId xmlns:a16="http://schemas.microsoft.com/office/drawing/2014/main" id="{306C02D5-AB7C-9EE0-C89C-F84081653877}"/>
+                  </a:ext>
+                </a:extLst>
+              </p:cNvPr>
+              <p:cNvSpPr txBox="1"/>
+              <p:nvPr/>
+            </p:nvSpPr>
+            <p:spPr>
+              <a:xfrm>
+                <a:off x="4039991" y="4096137"/>
+                <a:ext cx="3154680" cy="646331"/>
+              </a:xfrm>
+              <a:prstGeom prst="rect">
+                <a:avLst/>
+              </a:prstGeom>
+              <a:noFill/>
+            </p:spPr>
+            <p:txBody>
+              <a:bodyPr wrap="square" rtlCol="0">
+                <a:spAutoFit/>
+              </a:bodyPr>
+              <a:lstStyle/>
+              <a:p>
+                <a:r>
+                  <a:rPr lang="en-US" dirty="0">
+                    <a:solidFill>
+                      <a:srgbClr val="FF0000"/>
+                    </a:solidFill>
+                  </a:rPr>
+                  <a:t>Zero horizontal angle will result in parallel SNOUT sides</a:t>
+                </a:r>
+              </a:p>
+            </p:txBody>
+          </p:sp>
+          <p:cxnSp>
+            <p:nvCxnSpPr>
+              <p:cNvPr id="74" name="Connector: Elbow 73">
+                <a:extLst>
+                  <a:ext uri="{FF2B5EF4-FFF2-40B4-BE49-F238E27FC236}">
+                    <a16:creationId xmlns:a16="http://schemas.microsoft.com/office/drawing/2014/main" id="{2D390893-7330-151D-AD66-C94B80BFA49E}"/>
+                  </a:ext>
+                </a:extLst>
+              </p:cNvPr>
+              <p:cNvCxnSpPr>
+                <a:cxnSpLocks/>
+                <a:endCxn id="22" idx="2"/>
+              </p:cNvCxnSpPr>
+              <p:nvPr/>
+            </p:nvCxnSpPr>
+            <p:spPr>
+              <a:xfrm rot="10800000">
+                <a:off x="4035218" y="3015007"/>
+                <a:ext cx="243238" cy="236445"/>
+              </a:xfrm>
+              <a:prstGeom prst="bentConnector2">
+                <a:avLst/>
+              </a:prstGeom>
+              <a:ln w="9525">
+                <a:solidFill>
+                  <a:srgbClr val="000000"/>
+                </a:solidFill>
+                <a:headEnd type="triangle" w="sm" len="sm"/>
+                <a:tailEnd w="sm" len="sm"/>
+              </a:ln>
+              <a:effectLst/>
+            </p:spPr>
+            <p:style>
+              <a:lnRef idx="2">
+                <a:schemeClr val="accent1"/>
+              </a:lnRef>
+              <a:fillRef idx="0">
+                <a:schemeClr val="accent1"/>
+              </a:fillRef>
+              <a:effectRef idx="1">
+                <a:schemeClr val="accent1"/>
+              </a:effectRef>
+              <a:fontRef idx="minor">
+                <a:schemeClr val="tx1"/>
+              </a:fontRef>
+            </p:style>
+          </p:cxnSp>
+        </p:grpSp>
+      </p:grpSp>
+      <p:pic>
+        <p:nvPicPr>
+          <p:cNvPr id="11" name="Picture 10" descr="A screen shot of a computer&#10;&#10;Description automatically generated">
+            <a:extLst>
+              <a:ext uri="{FF2B5EF4-FFF2-40B4-BE49-F238E27FC236}">
+                <a16:creationId xmlns:a16="http://schemas.microsoft.com/office/drawing/2014/main" id="{C38A380E-F180-B5BF-D17B-2B1AA4986E90}"/>
+              </a:ext>
+            </a:extLst>
+          </p:cNvPr>
+          <p:cNvPicPr>
+            <a:picLocks noChangeAspect="1"/>
+          </p:cNvPicPr>
+          <p:nvPr/>
+        </p:nvPicPr>
+        <p:blipFill>
+          <a:blip r:embed="rId2"/>
+          <a:stretch>
+            <a:fillRect/>
+          </a:stretch>
+        </p:blipFill>
+        <p:spPr>
+          <a:xfrm>
+            <a:off x="7194671" y="1041540"/>
+            <a:ext cx="1111781" cy="548640"/>
+          </a:xfrm>
+          <a:prstGeom prst="rect">
+            <a:avLst/>
+          </a:prstGeom>
+        </p:spPr>
+      </p:pic>
+    </p:spTree>
+    <p:extLst>
+      <p:ext uri="{BB962C8B-B14F-4D97-AF65-F5344CB8AC3E}">
+        <p14:creationId xmlns:p14="http://schemas.microsoft.com/office/powerpoint/2010/main" val="2768378131"/>
+      </p:ext>
+    </p:extLst>
+  </p:cSld>
+  <p:clrMapOvr>
+    <a:masterClrMapping/>
+  </p:clrMapOvr>
+</p:sld>
+</file>
+
+<file path=ppt/slides/slide4.xml><?xml version="1.0" encoding="utf-8"?>
+<p:sld xmlns:a="http://schemas.openxmlformats.org/drawingml/2006/main" xmlns:r="http://schemas.openxmlformats.org/officeDocument/2006/relationships" xmlns:p="http://schemas.openxmlformats.org/presentationml/2006/main">
+  <p:cSld>
+    <p:spTree>
+      <p:nvGrpSpPr>
+        <p:cNvPr id="1" name=""/>
+        <p:cNvGrpSpPr/>
+        <p:nvPr/>
+      </p:nvGrpSpPr>
+      <p:grpSpPr>
+        <a:xfrm>
+          <a:off x="0" y="0"/>
+          <a:ext cx="0" cy="0"/>
+          <a:chOff x="0" y="0"/>
+          <a:chExt cx="0" cy="0"/>
+        </a:xfrm>
+      </p:grpSpPr>
+      <p:sp>
+        <p:nvSpPr>
+          <p:cNvPr id="2" name="Title 1">
+            <a:extLst>
+              <a:ext uri="{FF2B5EF4-FFF2-40B4-BE49-F238E27FC236}">
                 <a16:creationId xmlns:a16="http://schemas.microsoft.com/office/drawing/2014/main" id="{82EB4478-1674-3D2A-F777-B8000E6E06E7}"/>
               </a:ext>
             </a:extLst>
